--- a/división de harware.pptx
+++ b/división de harware.pptx
@@ -5,7 +5,8 @@
     <p:sldMasterId id="2147483648" r:id="rId1"/>
   </p:sldMasterIdLst>
   <p:sldIdLst>
-    <p:sldId id="256" r:id="rId2"/>
+    <p:sldId id="257" r:id="rId2"/>
+    <p:sldId id="256" r:id="rId3"/>
   </p:sldIdLst>
   <p:sldSz cx="12192000" cy="6858000"/>
   <p:notesSz cx="6858000" cy="9144000"/>
@@ -112,174 +113,6 @@
 </p:presentation>
 </file>
 
-<file path=ppt/ink/ink1.xml><?xml version="1.0" encoding="utf-8"?>
-<inkml:ink xmlns:inkml="http://www.w3.org/2003/InkML">
-  <inkml:definitions>
-    <inkml:context xml:id="ctx0">
-      <inkml:inkSource xml:id="inkSrc0">
-        <inkml:traceFormat>
-          <inkml:channel name="X" type="integer" min="-2.14748E9" max="2.14748E9" units="cm"/>
-          <inkml:channel name="Y" type="integer" min="-2.14748E9" max="2.14748E9" units="cm"/>
-          <inkml:channel name="F" type="integer" max="32767" units="dev"/>
-        </inkml:traceFormat>
-        <inkml:channelProperties>
-          <inkml:channelProperty channel="X" name="resolution" value="1000" units="1/cm"/>
-          <inkml:channelProperty channel="Y" name="resolution" value="1000" units="1/cm"/>
-          <inkml:channelProperty channel="F" name="resolution" value="0" units="1/dev"/>
-        </inkml:channelProperties>
-      </inkml:inkSource>
-      <inkml:timestamp xml:id="ts0" timeString="2022-05-09T20:16:50.622"/>
-    </inkml:context>
-    <inkml:brush xml:id="br0">
-      <inkml:brushProperty name="width" value="0.05" units="cm"/>
-      <inkml:brushProperty name="height" value="0.05" units="cm"/>
-      <inkml:brushProperty name="color" value="#E71224"/>
-    </inkml:brush>
-  </inkml:definitions>
-  <inkml:trace contextRef="#ctx0" brushRef="#br0">1 12972 24575,'3'0'0,"0"-1"0,0 1 0,-1 0 0,1-1 0,0 0 0,0 0 0,0 0 0,-1 0 0,1 0 0,-1 0 0,1-1 0,-1 1 0,1-1 0,-1 0 0,0 0 0,0 0 0,0 0 0,0 0 0,0 0 0,0 0 0,0-1 0,-1 1 0,1-1 0,-1 1 0,0-1 0,0 1 0,0-1 0,0 0 0,1-4 0,2-10 0,0-1 0,-2 0 0,2-33 0,-3 19 0,22-131 23,51-188-1,-7 41-609,45-276-3952,-80 412 4426,16-75 2626,-15 84-1024,11-47-297,-23 134-1192,-3 0 0,-3-1 0,-4-1 0,1-102 0,-11 150 0,2 0 0,11-50 0,-6 44 0,2-45 0,-7-11 0,-2 41 0,12-84 0,-3 73 0,-5 26 0,2 0 0,17-55 0,5 7 0,39-97 0,-55 147 0,-1-2 0,-1 1 0,5-44 0,-9 39 0,3 0 0,17-46 0,3 10 0,32-129 0,-28 90 0,-21 78 0,13-62 0,-5 8 0,5 1 0,3 0 0,52-108 0,-57 141 0,77-147 0,-84 169 0,-1-1 0,-3-1 0,0 0 0,11-74 0,-13 57 0,17-54 0,6-31 0,-29 123 0,0 1 0,1 0 0,1-1 0,0 2 0,2-1 0,10-16 0,23-47 0,-37 66 0,-1 0 0,0-1 0,-1 0 0,1-25 0,-2 26 0,-1 0 0,2 0 0,0 0 0,0 0 0,9-20 0,247-599 0,-151 346 0,-92 241 0,-3-1 0,-1-1 0,5-55 0,4-146 0,-19 212 0,0 13 0,1 0 0,1 0 0,1 0 0,1 0 0,2 1 0,0 0 0,18-35 0,-9 18 0,-2-1 0,-2-1 0,11-59 0,20-63 0,-28 117 0,-3-1 0,-2-1 0,6-53 0,-8 45 0,3 0 0,28-78 0,52-104 0,-75 204 0,2 1 0,1 0 0,39-49 0,2-2 0,-60 83 0,139-229 0,-127 209 0,-2-1 0,-1 0 0,0 0 0,-2-1 0,-1 0 0,-1-1 0,-1 1 0,-1-1 0,1-36 0,19-233 0,-11 174 0,3-20 0,7-113 0,-22-729 0,-3 465 0,1 457 0,3-1 0,12-66 0,-4 62-682,4-89-1,-13 120-6143</inkml:trace>
-</inkml:ink>
-</file>
-
-<file path=ppt/ink/ink2.xml><?xml version="1.0" encoding="utf-8"?>
-<inkml:ink xmlns:inkml="http://www.w3.org/2003/InkML">
-  <inkml:definitions>
-    <inkml:context xml:id="ctx0">
-      <inkml:inkSource xml:id="inkSrc0">
-        <inkml:traceFormat>
-          <inkml:channel name="X" type="integer" min="-2.14748E9" max="2.14748E9" units="cm"/>
-          <inkml:channel name="Y" type="integer" min="-2.14748E9" max="2.14748E9" units="cm"/>
-          <inkml:channel name="F" type="integer" max="32767" units="dev"/>
-        </inkml:traceFormat>
-        <inkml:channelProperties>
-          <inkml:channelProperty channel="X" name="resolution" value="1000" units="1/cm"/>
-          <inkml:channelProperty channel="Y" name="resolution" value="1000" units="1/cm"/>
-          <inkml:channelProperty channel="F" name="resolution" value="0" units="1/dev"/>
-        </inkml:channelProperties>
-      </inkml:inkSource>
-      <inkml:timestamp xml:id="ts0" timeString="2022-05-09T20:17:21.554"/>
-    </inkml:context>
-    <inkml:brush xml:id="br0">
-      <inkml:brushProperty name="width" value="0.05" units="cm"/>
-      <inkml:brushProperty name="height" value="0.05" units="cm"/>
-      <inkml:brushProperty name="color" value="#E71224"/>
-    </inkml:brush>
-  </inkml:definitions>
-  <inkml:trace contextRef="#ctx0" brushRef="#br0">752 3168 24575,'0'-12'0,"-1"-1"0,0 1 0,-1 0 0,-1 0 0,0 0 0,0 0 0,-1 1 0,-9-17 0,-3-3 0,-34-46 0,0 0 0,-87-148 0,121 193 0,2 0 0,-14-45 0,-13-31 0,-95-202 0,66 144 0,63 151 0,-2 1 0,0-1 0,0 1 0,-23-24 0,21 27 0,1-1 0,1 0 0,0-1 0,1 0 0,0 0 0,-6-16 0,7 8 0,1 1 0,1-1 0,1 0 0,1 0 0,0-29 0,6-111 0,2 62 0,-5-418 0,2 496 0,1 0 0,0 0 0,1 1 0,2-1 0,0 1 0,1 0 0,1 1 0,0-1 0,2 1 0,0 1 0,2 0 0,-1 1 0,2 0 0,28-30 0,-20 22 0,-1-1 0,27-49 0,-31 47 0,2 0 0,35-42 0,-35 51 0,1 0 0,1 2 0,0 0 0,1 1 0,1 2 0,0 0 0,1 1 0,26-10 0,-18 11 0,0 2 0,1 1 0,-1 2 0,2 1 0,-1 1 0,36 0 0,338 3 0,-194 5 0,-171-1 0,0 2 0,51 12 0,-16-3 0,-64-11 0,-1 1 0,0 0 0,0 0 0,0 1 0,0 0 0,-1 1 0,1 0 0,-1 1 0,0 0 0,-1 1 0,13 10 0,1 6 0,-1 1 0,33 45 0,-32-39 0,38 47 0,109 152 0,-164-220 0,83 133 0,-76-118 0,-2 0 0,0 2 0,-2-1 0,8 32 0,17 50 0,-25-84 0,0 2 0,-2-1 0,-1 1 0,6 49 0,-10-40 0,-3-18 0,2-1 0,0 0 0,1 0 0,0 0 0,1 0 0,10 28 0,-1-13 0,-1 0 0,-2 0 0,-1 1 0,-2 0 0,-1 0 0,-1 1 0,-2-1 0,-2 37 0,1 81 0,-6 153 0,4-288 0,-2 0 0,0-1 0,0 1 0,-1-1 0,-1 1 0,0-1 0,-1-1 0,-9 15 0,-10 14 0,-35 39 0,-16 27 0,10-5 0,-4-2 0,-136 147 0,165-202 0,26-25 0,-1-2 0,0 0 0,-2-1 0,0-1 0,-1 0 0,0-2 0,-2 0 0,-40 21 0,37-25 0,-122 57 0,122-55 20,-1-1 0,0-2 0,-1 0 0,0-2 0,-46 8 0,17-9-763,-97-1 1,118-6-6084</inkml:trace>
-</inkml:ink>
-</file>
-
-<file path=ppt/ink/ink3.xml><?xml version="1.0" encoding="utf-8"?>
-<inkml:ink xmlns:inkml="http://www.w3.org/2003/InkML">
-  <inkml:definitions>
-    <inkml:context xml:id="ctx0">
-      <inkml:inkSource xml:id="inkSrc0">
-        <inkml:traceFormat>
-          <inkml:channel name="X" type="integer" min="-2.14748E9" max="2.14748E9" units="cm"/>
-          <inkml:channel name="Y" type="integer" min="-2.14748E9" max="2.14748E9" units="cm"/>
-          <inkml:channel name="F" type="integer" max="32767" units="dev"/>
-        </inkml:traceFormat>
-        <inkml:channelProperties>
-          <inkml:channelProperty channel="X" name="resolution" value="1000" units="1/cm"/>
-          <inkml:channelProperty channel="Y" name="resolution" value="1000" units="1/cm"/>
-          <inkml:channelProperty channel="F" name="resolution" value="0" units="1/dev"/>
-        </inkml:channelProperties>
-      </inkml:inkSource>
-      <inkml:timestamp xml:id="ts0" timeString="2022-05-09T20:16:54.449"/>
-    </inkml:context>
-    <inkml:brush xml:id="br0">
-      <inkml:brushProperty name="width" value="0.05" units="cm"/>
-      <inkml:brushProperty name="height" value="0.05" units="cm"/>
-      <inkml:brushProperty name="color" value="#E71224"/>
-    </inkml:brush>
-  </inkml:definitions>
-  <inkml:trace contextRef="#ctx0" brushRef="#br0">0 10160 24575,'0'620'0,"1"-604"0,1-1 0,0 1 0,1 0 0,0-1 0,2 1 0,0-1 0,0 0 0,2-1 0,-1 1 0,2-1 0,0-1 0,12 16 0,1-1 0,2-1 0,1-1 0,1-1 0,41 31 0,-56-48 0,1-1 0,0 0 0,0-1 0,1-1 0,-1 1 0,1-2 0,22 7 0,3-4 0,49 5 0,9 0 0,-2 0 0,0-4 0,176-7 0,-112-4 0,-140 4 0,1-1 0,0-1 0,-1-1 0,1 0 0,-1-1 0,0-1 0,0-1 0,0 0 0,-1-1 0,1-1 0,-1 0 0,-1-2 0,28-18 0,-14 6 0,-1-2 0,-1 0 0,-1-2 0,25-30 0,-41 42 0,0-1 0,-1 0 0,0 0 0,-2-1 0,1 0 0,-2-1 0,0 0 0,-1 1 0,-1-2 0,5-31 0,-4-61 0,-5 78 0,1-1 0,7-43 0,4-9 0,-4 0 0,-5-145 0,-3 159 0,-2 50 0,-1 1 0,0 0 0,-1 1 0,-2-1 0,1 1 0,-2 0 0,-1 0 0,-13-24 0,10 21 0,1-1 0,1-1 0,0 0 0,-9-43 0,11-11 0,3 0 0,8-110 0,0 33 0,-5 27 0,3-135 0,21 113 0,-10 79 0,18-53 0,-3 15 0,17-64 0,-27 113 0,17-103 0,-26 22 0,2-13 0,6 19 0,13-64 0,-20 119 0,-3-1 0,-4 0 0,-6-80 0,0 19 0,3-1199 0,0 1317 0,1-1 0,0 0 0,2 1 0,1-1 0,1 1 0,1 0 0,1 0 0,1 1 0,1 0 0,1 0 0,0 1 0,2 1 0,20-28 0,76-114 0,-72 103 0,86-105 0,-96 138 0,2 2 0,0 0 0,33-19 0,8-8 0,-34 21 0,-1-1 0,-2-2 0,-1-1 0,37-52 0,-19 13 0,54-105 0,-92 151 0,-1 0 0,-1 0 0,-1-1 0,-1 0 0,4-43 0,-7 39 0,2 0 0,1 0 0,21-57 0,-14 52 0,-2-1 0,14-67 0,-14 50 0,11-32 0,-9 36 0,9-66 0,23-112 0,-23 131 0,-5 8 0,15-63 0,4 27 0,42-128 0,-54 179 0,23-129 0,-43 178 0,2-9 0,0 0 0,3 0 0,15-39 0,-7 25 0,-3 0 0,-2-2 0,8-55 0,-9 42 0,24-76 0,-25 101 0,-1 0 0,-2 0 0,-2-1 0,1-48 0,-8-165 0,-2 107 0,3-582-1365,0 695-5461</inkml:trace>
-</inkml:ink>
-</file>
-
-<file path=ppt/ink/ink4.xml><?xml version="1.0" encoding="utf-8"?>
-<inkml:ink xmlns:inkml="http://www.w3.org/2003/InkML">
-  <inkml:definitions>
-    <inkml:context xml:id="ctx0">
-      <inkml:inkSource xml:id="inkSrc0">
-        <inkml:traceFormat>
-          <inkml:channel name="X" type="integer" min="-2.14748E9" max="2.14748E9" units="cm"/>
-          <inkml:channel name="Y" type="integer" min="-2.14748E9" max="2.14748E9" units="cm"/>
-          <inkml:channel name="F" type="integer" max="32767" units="dev"/>
-        </inkml:traceFormat>
-        <inkml:channelProperties>
-          <inkml:channelProperty channel="X" name="resolution" value="1000" units="1/cm"/>
-          <inkml:channelProperty channel="Y" name="resolution" value="1000" units="1/cm"/>
-          <inkml:channelProperty channel="F" name="resolution" value="0" units="1/dev"/>
-        </inkml:channelProperties>
-      </inkml:inkSource>
-      <inkml:timestamp xml:id="ts0" timeString="2022-05-09T20:16:56.650"/>
-    </inkml:context>
-    <inkml:brush xml:id="br0">
-      <inkml:brushProperty name="width" value="0.05" units="cm"/>
-      <inkml:brushProperty name="height" value="0.05" units="cm"/>
-      <inkml:brushProperty name="color" value="#E71224"/>
-    </inkml:brush>
-  </inkml:definitions>
-  <inkml:trace contextRef="#ctx0" brushRef="#br0">1137 3902 24575,'1'-5'0,"1"0"0,-1-1 0,1 1 0,0 0 0,0 0 0,0 1 0,1-1 0,0 0 0,5-6 0,5-11 0,100-217 0,-102 208 0,-1-1 0,-1 0 0,-2-1 0,-1 0 0,-2 0 0,1-34 0,-8-385 0,-1 111 0,6 191 0,-5-167 0,-16 204 0,11 76 0,-3-49 0,-9-57 0,1-11 0,17-194 0,4 180 0,0 126 0,15-82 0,-10 88 0,-2-1 0,-1 1 0,-1-45 0,-3 76 0,-1 0 0,1 0 0,-1 0 0,0 0 0,0 0 0,-1 0 0,1 0 0,-1 0 0,0 1 0,0-1 0,-1 1 0,1-1 0,-7-7 0,1 4 0,0 1 0,-1 0 0,0 0 0,-19-10 0,13 7 0,8 6 0,1 0 0,-1 0 0,1-1 0,0 0 0,1-1 0,-1 1 0,1-1 0,0 0 0,1 0 0,-1-1 0,-6-12 0,6 5 0,1 0 0,0-1 0,0 1 0,1-1 0,0-17 0,1 20 0,-1 0 0,0 0 0,0 0 0,-1 1 0,-1-1 0,0 1 0,-1 0 0,0 0 0,0 1 0,-1 0 0,0 0 0,-1 0 0,0 1 0,-1 0 0,0 1 0,-10-8 0,2 4 0,0 0 0,0 1 0,-1 2 0,0-1 0,-1 2 0,0 0 0,0 2 0,-37-9 0,-4 3 0,24 4 0,-1 1 0,-63-3 0,50 6 0,-71-12 0,56 6 0,60 9 0,-1 0 0,0 0 0,1 1 0,-1 0 0,0 1 0,1-1 0,-1 1 0,1 0 0,-1 0 0,1 1 0,-1-1 0,1 1 0,0 0 0,-1 1 0,1-1 0,-5 5 0,3-1 0,0 0 0,0 1 0,1-1 0,0 1 0,0 1 0,1-1 0,0 1 0,0 0 0,-4 11 0,-6 15 0,-12 42 0,16-41 0,-19 38 0,17-46 0,2 1 0,1 0 0,0 0 0,3 1 0,0 1 0,2-1 0,1 1 0,1 0 0,3 50 0,4 633-104,-4-488-1157,0-192-5565</inkml:trace>
-</inkml:ink>
-</file>
-
-<file path=ppt/ink/ink5.xml><?xml version="1.0" encoding="utf-8"?>
-<inkml:ink xmlns:inkml="http://www.w3.org/2003/InkML">
-  <inkml:definitions>
-    <inkml:context xml:id="ctx0">
-      <inkml:inkSource xml:id="inkSrc0">
-        <inkml:traceFormat>
-          <inkml:channel name="X" type="integer" min="-2.14748E9" max="2.14748E9" units="cm"/>
-          <inkml:channel name="Y" type="integer" min="-2.14748E9" max="2.14748E9" units="cm"/>
-          <inkml:channel name="F" type="integer" max="32767" units="dev"/>
-        </inkml:traceFormat>
-        <inkml:channelProperties>
-          <inkml:channelProperty channel="X" name="resolution" value="1000" units="1/cm"/>
-          <inkml:channelProperty channel="Y" name="resolution" value="1000" units="1/cm"/>
-          <inkml:channelProperty channel="F" name="resolution" value="0" units="1/dev"/>
-        </inkml:channelProperties>
-      </inkml:inkSource>
-      <inkml:timestamp xml:id="ts0" timeString="2022-05-09T20:17:33.399"/>
-    </inkml:context>
-    <inkml:brush xml:id="br0">
-      <inkml:brushProperty name="width" value="0.05" units="cm"/>
-      <inkml:brushProperty name="height" value="0.05" units="cm"/>
-      <inkml:brushProperty name="color" value="#E71224"/>
-    </inkml:brush>
-  </inkml:definitions>
-  <inkml:trace contextRef="#ctx0" brushRef="#br0">158 6455 24575,'3'0'0,"0"1"0,-1-1 0,1 1 0,0 0 0,0 0 0,-1 0 0,1 0 0,-1 1 0,1-1 0,-1 1 0,0-1 0,1 1 0,-1 0 0,0 0 0,0 0 0,0 0 0,0 1 0,-1-1 0,1 0 0,-1 1 0,1-1 0,-1 1 0,2 4 0,2 4 0,-1-1 0,-1 1 0,0 0 0,3 18 0,48 263 0,-2-16 0,-41-195 0,-11-66 0,1-1 0,1 0 0,0 0 0,1 0 0,1 0 0,0-1 0,7 16 0,-1-7 0,0 0 0,-2 1 0,-1 0 0,0 0 0,-2 0 0,-1 1 0,0 0 0,-2 0 0,-1 0 0,-2 25 0,-3 1452 0,5-922 0,-3-527 0,-16 84 0,-1 18 0,15-118 0,-2 1 0,-1-1 0,-16 48 0,12-51 0,2 1 0,1 1 0,-5 65 0,12-61 0,1-16 0,-1 0 0,-1 0 0,0 0 0,-2 0 0,-7 24 0,-3 0 0,1 1 0,3 0 0,2 1 0,2 0 0,0 92 0,4-89 0,-3 0 0,-3 0 0,-15 59 0,10-52 0,-12 116 0,24-132 0,1-22 0,-1-1 0,0 1 0,-1-1 0,-2 0 0,0 0 0,-1 0 0,-9 25 0,-11 8 0,14-32 0,1 0 0,1 1 0,1-1 0,1 2 0,-6 33 0,-9 125 0,2 222 0,21 1194 0,0-1581 0,-1-1 0,2 1 0,0 0 0,1 0 0,7 22 0,-7-31 0,0 1 0,0-1 0,0 0 0,1 0 0,0 0 0,1 0 0,-1-1 0,1 1 0,1-1 0,-1 0 0,1-1 0,11 9 0,29 20 0,-2 2 0,0 2 0,66 77 0,46 42 0,19 20 0,-154-155 0,2-2 0,0-1 0,1 0 0,1-2 0,46 24 0,-45-29 0,-1 0 0,2-3 0,29 8 0,-24-7 0,50 21 0,-40-13 0,1-2 0,0-2 0,2-1 0,-1-3 0,1-1 0,59 3 0,282-8 0,-203-7 0,-136 3 0,-14 2 0,1-3 0,-1 0 0,1-2 0,46-11 0,-71 12 0,1-1 0,-1 0 0,-1-1 0,1 0 0,0 0 0,-1-1 0,0 0 0,0 0 0,-1-1 0,1 0 0,-1-1 0,-1 1 0,1-1 0,-1-1 0,0 1 0,-1-1 0,1 0 0,-2 0 0,1-1 0,4-12 0,1-12 0,-1-2 0,-1 1 0,-2-1 0,3-60 0,0-2 0,9-14 0,-7 51 0,5-104 0,-15-772 0,-3 419 0,0 481 0,-1 1 0,-1 0 0,-2 0 0,-17-53 0,-56-131 0,77 213 0,-16-50 0,2-1 0,3-1 0,-6-63 0,13 65 0,3-83 0,3 84 0,-10-89 0,5 123 0,0 0 0,-2 1 0,0 0 0,-2 0 0,-12-22 0,12 25 0,0 0 0,1 0 0,1-1 0,1 0 0,0-1 0,2 1 0,-4-26 0,4-122 0,6 119 0,-3 0 0,-2-1 0,-1 1 0,-22-90 0,9 76 0,8 28 0,0 1 0,-3 0 0,-14-31 0,-26-46 0,29 58 0,-51-83 0,-57-47 0,122 166 0,0-1 0,1 0 0,0 0 0,1-1 0,1 1 0,1-2 0,-5-26 0,3-1 0,-4-79 0,9-488 0,5 296 0,-6 92 0,7-248 0,15 305 0,0-17 0,1-32 0,0-37 0,-19-659 0,-3 429 0,2 464 0,-1 0 0,-1 1 0,-1 0 0,0-1 0,-1 1 0,-1 0 0,-1 1 0,-16-34 0,3 12 0,1-1 0,2-1 0,2-1 0,2 0 0,1-1 0,2 0 0,3-1 0,1 1 0,1-49 0,4 66 0,2-34 0,-3 1 0,-11-76 0,-37-163 0,42 248 0,1 0 0,2 0 0,3 0 0,5-55 0,5 23 0,33-135 0,-32 174 0,3-15 0,24-60 0,-27 87 0,0 0 0,-3-1 0,0 0 0,3-53 0,-7-133 0,-5 142 0,4 55 0,0-1 0,2 0 0,0 1 0,1 0 0,16-39 0,-12 34 0,-1 0 0,-1-1 0,5-30 0,-7 11 0,6-65 0,5 0 0,35-125 0,-39 186 0,-1 0 0,-3 0 0,-2-1 0,-2 0 0,-4-62 0,2 68 0,2 0 0,12-58 0,-4 31 0,0 13 0,38-113 0,-28 108 0,15-80 0,-21 63 0,4 0 0,3 2 0,66-149 0,7 10 0,-86 194 0,-2-1 0,0 0 0,-1-1 0,4-36 0,0 0 0,-3 9 0,-2-1 0,-3 1 0,-5-76 0,0 45 0,1 69 0,0 1 0,-2-1 0,1 0 0,-2 1 0,0-1 0,-1 1 0,0 0 0,-1 1 0,-1-1 0,0 1 0,-1 0 0,0 1 0,-1 0 0,0 0 0,-1 1 0,0 0 0,-23-18 0,3 5 0,-2 1 0,-1 2 0,-1 1 0,-1 1 0,-61-23 0,71 34 0,1 1 0,-1 1 0,0 2 0,0 0 0,-44-1 0,-128 13 0,172-6 0,0 2 0,0 1 0,1 1 0,-1 1 0,1 1 0,1 1 0,0 1 0,-35 21 0,3 5 0,1 2 0,-52 48 0,90-71 0,0 1 0,1 0 0,1 1 0,1 0 0,0 1 0,1 0 0,1 2 0,1-1 0,0 1 0,2 0 0,0 1 0,-7 31 0,2-5 0,-2-2 0,-3 0 0,-1 0 0,-37 60 0,6-9 0,36-71-35,-1-1 0,-1-1 0,-21 24-1,11-15-1188,10-10-5602</inkml:trace>
-</inkml:ink>
-</file>
-
-<file path=ppt/ink/ink6.xml><?xml version="1.0" encoding="utf-8"?>
-<inkml:ink xmlns:inkml="http://www.w3.org/2003/InkML">
-  <inkml:definitions>
-    <inkml:context xml:id="ctx0">
-      <inkml:inkSource xml:id="inkSrc0">
-        <inkml:traceFormat>
-          <inkml:channel name="X" type="integer" min="-2.14748E9" max="2.14748E9" units="cm"/>
-          <inkml:channel name="Y" type="integer" min="-2.14748E9" max="2.14748E9" units="cm"/>
-          <inkml:channel name="F" type="integer" max="32767" units="dev"/>
-        </inkml:traceFormat>
-        <inkml:channelProperties>
-          <inkml:channelProperty channel="X" name="resolution" value="1000" units="1/cm"/>
-          <inkml:channelProperty channel="Y" name="resolution" value="1000" units="1/cm"/>
-          <inkml:channelProperty channel="F" name="resolution" value="0" units="1/dev"/>
-        </inkml:channelProperties>
-      </inkml:inkSource>
-      <inkml:timestamp xml:id="ts0" timeString="2022-05-09T20:17:43.155"/>
-    </inkml:context>
-    <inkml:brush xml:id="br0">
-      <inkml:brushProperty name="width" value="0.05" units="cm"/>
-      <inkml:brushProperty name="height" value="0.05" units="cm"/>
-      <inkml:brushProperty name="color" value="#F6630D"/>
-    </inkml:brush>
-  </inkml:definitions>
-  <inkml:trace contextRef="#ctx0" brushRef="#br0">1193 1687 24575,'30'-1'0,"0"2"0,0 1 0,0 2 0,0 1 0,0 1 0,-1 1 0,0 2 0,0 0 0,-1 2 0,-1 2 0,30 17 0,-29-11 0,-1 1 0,-1 1 0,-1 1 0,-1 1 0,-1 2 0,-1 0 0,-1 1 0,-1 1 0,17 33 0,-2 5 0,-3 1 0,-3 2 0,22 76 0,-20-63 0,-21-57 0,0 0 0,-2 0 0,-1 1 0,7 44 0,5 56 0,-10-78 0,5 80 0,-13 560 0,-4-318 0,6-330 0,0 0 0,13 48 0,-2-2 0,30 219 0,2-48 0,-23-147 0,-14-75 0,21 57 0,-20-65 0,-1 1 0,-1 1 0,8 45 0,-10 138 0,-8-152 0,4 1 0,10 79 0,2-46 0,1 128 0,-16 99 0,-2-112 0,2-72 0,-22 167 0,9-193 0,-13 77 0,19-130 0,2 1 0,2-1 0,9 111 0,-4-151 0,2 0 0,0 0 0,1 0 0,1 0 0,12 28 0,47 73 0,-56-105 0,13 28 0,30 78 0,-18-35 0,-27-68 0,0 1 0,-2 1 0,0-1 0,1 19 0,-2-18 0,0 0 0,1 0 0,10 29 0,8 8 0,-12-26 0,1-2 0,2 0 0,1 0 0,19 28 0,-9-21 0,2-1 0,2-1 0,0-2 0,65 53 0,-83-76 0,1-1 0,0-1 0,0 0 0,0 0 0,1-1 0,-1 0 0,1-1 0,0-1 0,0 0 0,17 1 0,18-2 0,65-5 0,-36 0 0,80 4 0,80-3 0,-228 2 0,0-1 0,-1 0 0,1 0 0,-1 0 0,0-1 0,0 0 0,0 0 0,0-1 0,0 0 0,-1 0 0,1 0 0,-1-1 0,0 0 0,-1-1 0,1 1 0,-1-1 0,8-11 0,5-10 0,-1-1 0,-2-1 0,13-30 0,-2 4 0,2-1 0,27-81 0,-45 108 0,-2 0 0,-1-1 0,-2 0 0,4-57 0,-6 47 0,2 0 0,2 0 0,17-53 0,-13 53 0,-2 0 0,-1-1 0,3-49 0,-13-69 0,1 141 0,-2 1 0,0-1 0,-1 0 0,-1 1 0,-1 0 0,-13-29 0,6 23 0,2 0 0,0 0 0,2-1 0,0 0 0,2-1 0,0 0 0,2 0 0,1-1 0,-2-38 0,10-594 0,-2 620 0,1 0 0,1 0 0,3 0 0,13-44 0,60-140 0,-70 195 0,-1-1 0,-1 0 0,-2-1 0,-1 0 0,3-49 0,-9-150 0,-3 100 0,4 75 0,-4-100 0,2 132 0,-1 1 0,0 0 0,-2 0 0,0 0 0,-11-26 0,8 32 0,-1 0 0,0 1 0,-1 0 0,0 0 0,-1 1 0,-15-14 0,-14-17 0,-6-8 0,30 35 0,0 0 0,1-1 0,1-1 0,1-1 0,1 0 0,0 0 0,-13-32 0,-98-252 0,105 258 0,2-1 0,3-1 0,-9-52 0,-14-49 0,3 41 0,-91-204 0,92 237 0,4-1 0,4-1 0,-21-107 0,-19-61 0,-18 21 0,75 204 0,0 0 0,2 0 0,0-1 0,2 1 0,0-1 0,-1-20 0,7-124 0,1 73 0,-7-3 0,-17-101 0,3 39 0,12 121 0,-2 0 0,-1 1 0,-2 0 0,-1 0 0,-1 1 0,-33-59 0,23 46 0,-13-30 0,-3 2 0,-3 1 0,-80-106 0,1 51 0,6 8 0,84 88 0,-1 2 0,-2 1 0,-2 1 0,0 2 0,-50-28 0,-5-5 0,23 14 0,-123-64 0,152 89 0,-63-45 0,70 43 0,-1 1 0,-67-32 0,-183-48 0,260 93 0,0-1 0,1 0 0,-32-20 0,36 18 0,-1 1 0,0 1 0,0 1 0,-1 1 0,-36-10 0,18 12 0,-1 1 0,0 2 0,1 1 0,-49 6 0,75-3 0,0 1 0,0 0 0,-1 0 0,2 1 0,-1 1 0,0 0 0,1 0 0,0 1 0,-10 7 0,-83 71 0,83-66 0,-27 21 0,2 2 0,2 2 0,2 1 0,2 3 0,-37 57 0,-50 82 0,97-146 0,-25 30-1365,34-43-5461</inkml:trace>
-</inkml:ink>
-</file>
-
 <file path=ppt/slideLayouts/slideLayout1.xml><?xml version="1.0" encoding="utf-8"?>
 <p:sldLayout xmlns:a="http://schemas.openxmlformats.org/drawingml/2006/main" xmlns:r="http://schemas.openxmlformats.org/officeDocument/2006/relationships" xmlns:p="http://schemas.openxmlformats.org/presentationml/2006/main" type="title" preserve="1">
   <p:cSld name="Title Slide">
@@ -427,7 +260,7 @@
           <a:p>
             <a:fld id="{5DAA246C-BFBA-4368-8769-4B0D9B5190D5}" type="datetimeFigureOut">
               <a:rPr lang="en-US" smtClean="0"/>
-              <a:t>5/9/2022</a:t>
+              <a:t>5/28/2022</a:t>
             </a:fld>
             <a:endParaRPr lang="en-US"/>
           </a:p>
@@ -625,7 +458,7 @@
           <a:p>
             <a:fld id="{5DAA246C-BFBA-4368-8769-4B0D9B5190D5}" type="datetimeFigureOut">
               <a:rPr lang="en-US" smtClean="0"/>
-              <a:t>5/9/2022</a:t>
+              <a:t>5/28/2022</a:t>
             </a:fld>
             <a:endParaRPr lang="en-US"/>
           </a:p>
@@ -833,7 +666,7 @@
           <a:p>
             <a:fld id="{5DAA246C-BFBA-4368-8769-4B0D9B5190D5}" type="datetimeFigureOut">
               <a:rPr lang="en-US" smtClean="0"/>
-              <a:t>5/9/2022</a:t>
+              <a:t>5/28/2022</a:t>
             </a:fld>
             <a:endParaRPr lang="en-US"/>
           </a:p>
@@ -1031,7 +864,7 @@
           <a:p>
             <a:fld id="{5DAA246C-BFBA-4368-8769-4B0D9B5190D5}" type="datetimeFigureOut">
               <a:rPr lang="en-US" smtClean="0"/>
-              <a:t>5/9/2022</a:t>
+              <a:t>5/28/2022</a:t>
             </a:fld>
             <a:endParaRPr lang="en-US"/>
           </a:p>
@@ -1306,7 +1139,7 @@
           <a:p>
             <a:fld id="{5DAA246C-BFBA-4368-8769-4B0D9B5190D5}" type="datetimeFigureOut">
               <a:rPr lang="en-US" smtClean="0"/>
-              <a:t>5/9/2022</a:t>
+              <a:t>5/28/2022</a:t>
             </a:fld>
             <a:endParaRPr lang="en-US"/>
           </a:p>
@@ -1571,7 +1404,7 @@
           <a:p>
             <a:fld id="{5DAA246C-BFBA-4368-8769-4B0D9B5190D5}" type="datetimeFigureOut">
               <a:rPr lang="en-US" smtClean="0"/>
-              <a:t>5/9/2022</a:t>
+              <a:t>5/28/2022</a:t>
             </a:fld>
             <a:endParaRPr lang="en-US"/>
           </a:p>
@@ -1983,7 +1816,7 @@
           <a:p>
             <a:fld id="{5DAA246C-BFBA-4368-8769-4B0D9B5190D5}" type="datetimeFigureOut">
               <a:rPr lang="en-US" smtClean="0"/>
-              <a:t>5/9/2022</a:t>
+              <a:t>5/28/2022</a:t>
             </a:fld>
             <a:endParaRPr lang="en-US"/>
           </a:p>
@@ -2124,7 +1957,7 @@
           <a:p>
             <a:fld id="{5DAA246C-BFBA-4368-8769-4B0D9B5190D5}" type="datetimeFigureOut">
               <a:rPr lang="en-US" smtClean="0"/>
-              <a:t>5/9/2022</a:t>
+              <a:t>5/28/2022</a:t>
             </a:fld>
             <a:endParaRPr lang="en-US"/>
           </a:p>
@@ -2237,7 +2070,7 @@
           <a:p>
             <a:fld id="{5DAA246C-BFBA-4368-8769-4B0D9B5190D5}" type="datetimeFigureOut">
               <a:rPr lang="en-US" smtClean="0"/>
-              <a:t>5/9/2022</a:t>
+              <a:t>5/28/2022</a:t>
             </a:fld>
             <a:endParaRPr lang="en-US"/>
           </a:p>
@@ -2548,7 +2381,7 @@
           <a:p>
             <a:fld id="{5DAA246C-BFBA-4368-8769-4B0D9B5190D5}" type="datetimeFigureOut">
               <a:rPr lang="en-US" smtClean="0"/>
-              <a:t>5/9/2022</a:t>
+              <a:t>5/28/2022</a:t>
             </a:fld>
             <a:endParaRPr lang="en-US"/>
           </a:p>
@@ -2836,7 +2669,7 @@
           <a:p>
             <a:fld id="{5DAA246C-BFBA-4368-8769-4B0D9B5190D5}" type="datetimeFigureOut">
               <a:rPr lang="en-US" smtClean="0"/>
-              <a:t>5/9/2022</a:t>
+              <a:t>5/28/2022</a:t>
             </a:fld>
             <a:endParaRPr lang="en-US"/>
           </a:p>
@@ -3077,7 +2910,7 @@
           <a:p>
             <a:fld id="{5DAA246C-BFBA-4368-8769-4B0D9B5190D5}" type="datetimeFigureOut">
               <a:rPr lang="en-US" smtClean="0"/>
-              <a:t>5/9/2022</a:t>
+              <a:t>5/28/2022</a:t>
             </a:fld>
             <a:endParaRPr lang="en-US"/>
           </a:p>
@@ -3494,42 +3327,6 @@
           <a:chExt cx="0" cy="0"/>
         </a:xfrm>
       </p:grpSpPr>
-      <p:pic>
-        <p:nvPicPr>
-          <p:cNvPr id="5" name="Picture 4" descr="Shape&#10;&#10;Description automatically generated with low confidence">
-            <a:extLst>
-              <a:ext uri="{FF2B5EF4-FFF2-40B4-BE49-F238E27FC236}">
-                <a16:creationId xmlns:a16="http://schemas.microsoft.com/office/drawing/2014/main" id="{95E23FA6-9C31-B39A-8092-AE96D5628DE6}"/>
-              </a:ext>
-            </a:extLst>
-          </p:cNvPr>
-          <p:cNvPicPr>
-            <a:picLocks noChangeAspect="1"/>
-          </p:cNvPicPr>
-          <p:nvPr/>
-        </p:nvPicPr>
-        <p:blipFill>
-          <a:blip r:embed="rId2">
-            <a:extLst>
-              <a:ext uri="{28A0092B-C50C-407E-A947-70E740481C1C}">
-                <a14:useLocalDpi xmlns:a14="http://schemas.microsoft.com/office/drawing/2010/main" val="0"/>
-              </a:ext>
-            </a:extLst>
-          </a:blip>
-          <a:stretch>
-            <a:fillRect/>
-          </a:stretch>
-        </p:blipFill>
-        <p:spPr>
-          <a:xfrm>
-            <a:off x="2732816" y="65816"/>
-            <a:ext cx="6726367" cy="6726367"/>
-          </a:xfrm>
-          <a:prstGeom prst="rect">
-            <a:avLst/>
-          </a:prstGeom>
-        </p:spPr>
-      </p:pic>
       <p:sp>
         <p:nvSpPr>
           <p:cNvPr id="7" name="Rectangle 6">
@@ -3544,7 +3341,7 @@
         </p:nvSpPr>
         <p:spPr>
           <a:xfrm rot="633295">
-            <a:off x="5043767" y="2500705"/>
+            <a:off x="8223253" y="2442753"/>
             <a:ext cx="276335" cy="616295"/>
           </a:xfrm>
           <a:prstGeom prst="rect">
@@ -3604,7 +3401,7 @@
         </p:nvSpPr>
         <p:spPr>
           <a:xfrm rot="633295">
-            <a:off x="5236043" y="1415149"/>
+            <a:off x="8415529" y="1357197"/>
             <a:ext cx="276335" cy="616295"/>
           </a:xfrm>
           <a:prstGeom prst="rect">
@@ -3664,7 +3461,7 @@
         </p:nvSpPr>
         <p:spPr>
           <a:xfrm>
-            <a:off x="5566486" y="3850199"/>
+            <a:off x="8745972" y="3792247"/>
             <a:ext cx="330442" cy="616295"/>
           </a:xfrm>
           <a:prstGeom prst="rect">
@@ -3724,7 +3521,7 @@
         </p:nvSpPr>
         <p:spPr>
           <a:xfrm>
-            <a:off x="6295074" y="3850198"/>
+            <a:off x="9474560" y="3792246"/>
             <a:ext cx="330442" cy="616295"/>
           </a:xfrm>
           <a:prstGeom prst="rect">
@@ -3784,7 +3581,7 @@
         </p:nvSpPr>
         <p:spPr>
           <a:xfrm>
-            <a:off x="6339842" y="5321191"/>
+            <a:off x="9519328" y="5263239"/>
             <a:ext cx="330442" cy="616295"/>
           </a:xfrm>
           <a:prstGeom prst="rect">
@@ -3844,7 +3641,7 @@
         </p:nvSpPr>
         <p:spPr>
           <a:xfrm>
-            <a:off x="5566486" y="5321191"/>
+            <a:off x="8745972" y="5263239"/>
             <a:ext cx="330442" cy="616295"/>
           </a:xfrm>
           <a:prstGeom prst="rect">
@@ -3904,7 +3701,7 @@
         </p:nvSpPr>
         <p:spPr>
           <a:xfrm rot="20946528">
-            <a:off x="6680763" y="1373782"/>
+            <a:off x="9860249" y="1315830"/>
             <a:ext cx="330442" cy="616295"/>
           </a:xfrm>
           <a:prstGeom prst="rect">
@@ -3964,7 +3761,7 @@
         </p:nvSpPr>
         <p:spPr>
           <a:xfrm rot="20946528">
-            <a:off x="6857213" y="2495134"/>
+            <a:off x="10036699" y="2437182"/>
             <a:ext cx="330442" cy="616295"/>
           </a:xfrm>
           <a:prstGeom prst="rect">
@@ -4024,7 +3821,7 @@
         </p:nvSpPr>
         <p:spPr>
           <a:xfrm rot="20946528">
-            <a:off x="7114471" y="3549603"/>
+            <a:off x="10293957" y="3491651"/>
             <a:ext cx="267850" cy="356806"/>
           </a:xfrm>
           <a:prstGeom prst="rect">
@@ -4084,7 +3881,7 @@
         </p:nvSpPr>
         <p:spPr>
           <a:xfrm rot="797786">
-            <a:off x="4774071" y="3455017"/>
+            <a:off x="7953557" y="3397065"/>
             <a:ext cx="267850" cy="356806"/>
           </a:xfrm>
           <a:prstGeom prst="rect">
@@ -4144,7 +3941,7 @@
         </p:nvSpPr>
         <p:spPr>
           <a:xfrm rot="797786">
-            <a:off x="5662796" y="6448960"/>
+            <a:off x="8744588" y="6336763"/>
             <a:ext cx="333207" cy="287151"/>
           </a:xfrm>
           <a:prstGeom prst="rect">
@@ -4204,7 +4001,7 @@
         </p:nvSpPr>
         <p:spPr>
           <a:xfrm rot="21077033">
-            <a:off x="6185842" y="6475354"/>
+            <a:off x="9590760" y="6347642"/>
             <a:ext cx="333207" cy="287151"/>
           </a:xfrm>
           <a:prstGeom prst="rect">
@@ -4264,7 +4061,7 @@
         </p:nvSpPr>
         <p:spPr>
           <a:xfrm>
-            <a:off x="5962074" y="187668"/>
+            <a:off x="9141560" y="129716"/>
             <a:ext cx="267850" cy="356806"/>
           </a:xfrm>
           <a:prstGeom prst="rect">
@@ -4324,7 +4121,7 @@
         </p:nvSpPr>
         <p:spPr>
           <a:xfrm>
-            <a:off x="5783552" y="2959352"/>
+            <a:off x="8963038" y="2901400"/>
             <a:ext cx="609072" cy="334329"/>
           </a:xfrm>
           <a:prstGeom prst="rect">
@@ -4384,7 +4181,7 @@
         </p:nvSpPr>
         <p:spPr>
           <a:xfrm>
-            <a:off x="5775376" y="1347600"/>
+            <a:off x="8954862" y="1289648"/>
             <a:ext cx="609072" cy="334329"/>
           </a:xfrm>
           <a:prstGeom prst="rect">
@@ -4430,12 +4227,48 @@
           </a:p>
         </p:txBody>
       </p:sp>
-      <p:sp>
-        <p:nvSpPr>
-          <p:cNvPr id="2" name="Rectangle 1">
-            <a:extLst>
-              <a:ext uri="{FF2B5EF4-FFF2-40B4-BE49-F238E27FC236}">
-                <a16:creationId xmlns:a16="http://schemas.microsoft.com/office/drawing/2014/main" id="{BF8E9B2F-EC9C-2DD9-08A2-ECC2B94525C8}"/>
+      <p:pic>
+        <p:nvPicPr>
+          <p:cNvPr id="31" name="Picture 30" descr="Shape&#10;&#10;Description automatically generated with low confidence">
+            <a:extLst>
+              <a:ext uri="{FF2B5EF4-FFF2-40B4-BE49-F238E27FC236}">
+                <a16:creationId xmlns:a16="http://schemas.microsoft.com/office/drawing/2014/main" id="{6F2F0A84-B2B6-F976-69BA-471DF82846F6}"/>
+              </a:ext>
+            </a:extLst>
+          </p:cNvPr>
+          <p:cNvPicPr>
+            <a:picLocks noChangeAspect="1"/>
+          </p:cNvPicPr>
+          <p:nvPr/>
+        </p:nvPicPr>
+        <p:blipFill>
+          <a:blip r:embed="rId2">
+            <a:extLst>
+              <a:ext uri="{28A0092B-C50C-407E-A947-70E740481C1C}">
+                <a14:useLocalDpi xmlns:a14="http://schemas.microsoft.com/office/drawing/2010/main" val="0"/>
+              </a:ext>
+            </a:extLst>
+          </a:blip>
+          <a:stretch>
+            <a:fillRect/>
+          </a:stretch>
+        </p:blipFill>
+        <p:spPr>
+          <a:xfrm>
+            <a:off x="-76676" y="34403"/>
+            <a:ext cx="6726367" cy="6726367"/>
+          </a:xfrm>
+          <a:prstGeom prst="rect">
+            <a:avLst/>
+          </a:prstGeom>
+        </p:spPr>
+      </p:pic>
+      <p:sp>
+        <p:nvSpPr>
+          <p:cNvPr id="32" name="Rectangle 31">
+            <a:extLst>
+              <a:ext uri="{FF2B5EF4-FFF2-40B4-BE49-F238E27FC236}">
+                <a16:creationId xmlns:a16="http://schemas.microsoft.com/office/drawing/2014/main" id="{7F9994D4-BCEF-2CAC-AE82-72237AA4613B}"/>
               </a:ext>
             </a:extLst>
           </p:cNvPr>
@@ -4443,8 +4276,2381 @@
           <p:nvPr/>
         </p:nvSpPr>
         <p:spPr>
+          <a:xfrm rot="633295">
+            <a:off x="2204063" y="2410267"/>
+            <a:ext cx="276335" cy="616295"/>
+          </a:xfrm>
+          <a:prstGeom prst="rect">
+            <a:avLst/>
+          </a:prstGeom>
+          <a:solidFill>
+            <a:srgbClr val="FF0000"/>
+          </a:solidFill>
+          <a:ln w="9525" cap="flat" cmpd="sng" algn="ctr">
+            <a:solidFill>
+              <a:schemeClr val="dk1"/>
+            </a:solidFill>
+            <a:prstDash val="solid"/>
+            <a:round/>
+            <a:headEnd type="none" w="med" len="med"/>
+            <a:tailEnd type="none" w="med" len="med"/>
+          </a:ln>
+        </p:spPr>
+        <p:style>
+          <a:lnRef idx="0">
+            <a:scrgbClr r="0" g="0" b="0"/>
+          </a:lnRef>
+          <a:fillRef idx="0">
+            <a:scrgbClr r="0" g="0" b="0"/>
+          </a:fillRef>
+          <a:effectRef idx="0">
+            <a:scrgbClr r="0" g="0" b="0"/>
+          </a:effectRef>
+          <a:fontRef idx="minor">
+            <a:schemeClr val="dk1"/>
+          </a:fontRef>
+        </p:style>
+        <p:txBody>
+          <a:bodyPr rtlCol="0" anchor="ctr"/>
+          <a:lstStyle/>
+          <a:p>
+            <a:pPr algn="ctr"/>
+            <a:endParaRPr lang="en-US">
+              <a:solidFill>
+                <a:srgbClr val="FF0000"/>
+              </a:solidFill>
+            </a:endParaRPr>
+          </a:p>
+        </p:txBody>
+      </p:sp>
+      <p:sp>
+        <p:nvSpPr>
+          <p:cNvPr id="33" name="Rectangle 32">
+            <a:extLst>
+              <a:ext uri="{FF2B5EF4-FFF2-40B4-BE49-F238E27FC236}">
+                <a16:creationId xmlns:a16="http://schemas.microsoft.com/office/drawing/2014/main" id="{71F9E04F-9FFA-5B83-DF8E-053C396EC466}"/>
+              </a:ext>
+            </a:extLst>
+          </p:cNvPr>
+          <p:cNvSpPr/>
+          <p:nvPr/>
+        </p:nvSpPr>
+        <p:spPr>
+          <a:xfrm rot="633295">
+            <a:off x="2396339" y="1324711"/>
+            <a:ext cx="276335" cy="616295"/>
+          </a:xfrm>
+          <a:prstGeom prst="rect">
+            <a:avLst/>
+          </a:prstGeom>
+          <a:solidFill>
+            <a:srgbClr val="FF0000"/>
+          </a:solidFill>
+          <a:ln w="9525" cap="flat" cmpd="sng" algn="ctr">
+            <a:solidFill>
+              <a:schemeClr val="dk1"/>
+            </a:solidFill>
+            <a:prstDash val="solid"/>
+            <a:round/>
+            <a:headEnd type="none" w="med" len="med"/>
+            <a:tailEnd type="none" w="med" len="med"/>
+          </a:ln>
+        </p:spPr>
+        <p:style>
+          <a:lnRef idx="0">
+            <a:scrgbClr r="0" g="0" b="0"/>
+          </a:lnRef>
+          <a:fillRef idx="0">
+            <a:scrgbClr r="0" g="0" b="0"/>
+          </a:fillRef>
+          <a:effectRef idx="0">
+            <a:scrgbClr r="0" g="0" b="0"/>
+          </a:effectRef>
+          <a:fontRef idx="minor">
+            <a:schemeClr val="dk1"/>
+          </a:fontRef>
+        </p:style>
+        <p:txBody>
+          <a:bodyPr rtlCol="0" anchor="ctr"/>
+          <a:lstStyle/>
+          <a:p>
+            <a:pPr algn="ctr"/>
+            <a:endParaRPr lang="en-US">
+              <a:solidFill>
+                <a:srgbClr val="FF0000"/>
+              </a:solidFill>
+            </a:endParaRPr>
+          </a:p>
+        </p:txBody>
+      </p:sp>
+      <p:sp>
+        <p:nvSpPr>
+          <p:cNvPr id="34" name="Rectangle 33">
+            <a:extLst>
+              <a:ext uri="{FF2B5EF4-FFF2-40B4-BE49-F238E27FC236}">
+                <a16:creationId xmlns:a16="http://schemas.microsoft.com/office/drawing/2014/main" id="{B40EF32A-0777-6A0F-F483-5765545C5A11}"/>
+              </a:ext>
+            </a:extLst>
+          </p:cNvPr>
+          <p:cNvSpPr/>
+          <p:nvPr/>
+        </p:nvSpPr>
+        <p:spPr>
+          <a:xfrm>
+            <a:off x="2726782" y="3759761"/>
+            <a:ext cx="330442" cy="616295"/>
+          </a:xfrm>
+          <a:prstGeom prst="rect">
+            <a:avLst/>
+          </a:prstGeom>
+          <a:solidFill>
+            <a:srgbClr val="FF0000"/>
+          </a:solidFill>
+          <a:ln w="9525" cap="flat" cmpd="sng" algn="ctr">
+            <a:solidFill>
+              <a:schemeClr val="dk1"/>
+            </a:solidFill>
+            <a:prstDash val="solid"/>
+            <a:round/>
+            <a:headEnd type="none" w="med" len="med"/>
+            <a:tailEnd type="none" w="med" len="med"/>
+          </a:ln>
+        </p:spPr>
+        <p:style>
+          <a:lnRef idx="0">
+            <a:scrgbClr r="0" g="0" b="0"/>
+          </a:lnRef>
+          <a:fillRef idx="0">
+            <a:scrgbClr r="0" g="0" b="0"/>
+          </a:fillRef>
+          <a:effectRef idx="0">
+            <a:scrgbClr r="0" g="0" b="0"/>
+          </a:effectRef>
+          <a:fontRef idx="minor">
+            <a:schemeClr val="dk1"/>
+          </a:fontRef>
+        </p:style>
+        <p:txBody>
+          <a:bodyPr rtlCol="0" anchor="ctr"/>
+          <a:lstStyle/>
+          <a:p>
+            <a:pPr algn="ctr"/>
+            <a:endParaRPr lang="en-US">
+              <a:solidFill>
+                <a:srgbClr val="FF0000"/>
+              </a:solidFill>
+            </a:endParaRPr>
+          </a:p>
+        </p:txBody>
+      </p:sp>
+      <p:sp>
+        <p:nvSpPr>
+          <p:cNvPr id="35" name="Rectangle 34">
+            <a:extLst>
+              <a:ext uri="{FF2B5EF4-FFF2-40B4-BE49-F238E27FC236}">
+                <a16:creationId xmlns:a16="http://schemas.microsoft.com/office/drawing/2014/main" id="{DD11BFE1-E5D2-76C9-269A-BACB449ED01C}"/>
+              </a:ext>
+            </a:extLst>
+          </p:cNvPr>
+          <p:cNvSpPr/>
+          <p:nvPr/>
+        </p:nvSpPr>
+        <p:spPr>
+          <a:xfrm>
+            <a:off x="3455370" y="3759760"/>
+            <a:ext cx="330442" cy="616295"/>
+          </a:xfrm>
+          <a:prstGeom prst="rect">
+            <a:avLst/>
+          </a:prstGeom>
+          <a:solidFill>
+            <a:srgbClr val="FF0000"/>
+          </a:solidFill>
+          <a:ln w="9525" cap="flat" cmpd="sng" algn="ctr">
+            <a:solidFill>
+              <a:schemeClr val="dk1"/>
+            </a:solidFill>
+            <a:prstDash val="solid"/>
+            <a:round/>
+            <a:headEnd type="none" w="med" len="med"/>
+            <a:tailEnd type="none" w="med" len="med"/>
+          </a:ln>
+        </p:spPr>
+        <p:style>
+          <a:lnRef idx="0">
+            <a:scrgbClr r="0" g="0" b="0"/>
+          </a:lnRef>
+          <a:fillRef idx="0">
+            <a:scrgbClr r="0" g="0" b="0"/>
+          </a:fillRef>
+          <a:effectRef idx="0">
+            <a:scrgbClr r="0" g="0" b="0"/>
+          </a:effectRef>
+          <a:fontRef idx="minor">
+            <a:schemeClr val="dk1"/>
+          </a:fontRef>
+        </p:style>
+        <p:txBody>
+          <a:bodyPr rtlCol="0" anchor="ctr"/>
+          <a:lstStyle/>
+          <a:p>
+            <a:pPr algn="ctr"/>
+            <a:endParaRPr lang="en-US">
+              <a:solidFill>
+                <a:srgbClr val="FF0000"/>
+              </a:solidFill>
+            </a:endParaRPr>
+          </a:p>
+        </p:txBody>
+      </p:sp>
+      <p:sp>
+        <p:nvSpPr>
+          <p:cNvPr id="36" name="Rectangle 35">
+            <a:extLst>
+              <a:ext uri="{FF2B5EF4-FFF2-40B4-BE49-F238E27FC236}">
+                <a16:creationId xmlns:a16="http://schemas.microsoft.com/office/drawing/2014/main" id="{B0912C2E-42F4-4ECA-8F26-82F58BA76359}"/>
+              </a:ext>
+            </a:extLst>
+          </p:cNvPr>
+          <p:cNvSpPr/>
+          <p:nvPr/>
+        </p:nvSpPr>
+        <p:spPr>
+          <a:xfrm>
+            <a:off x="3500138" y="5230753"/>
+            <a:ext cx="330442" cy="616295"/>
+          </a:xfrm>
+          <a:prstGeom prst="rect">
+            <a:avLst/>
+          </a:prstGeom>
+          <a:solidFill>
+            <a:srgbClr val="FF0000"/>
+          </a:solidFill>
+          <a:ln w="9525" cap="flat" cmpd="sng" algn="ctr">
+            <a:solidFill>
+              <a:schemeClr val="dk1"/>
+            </a:solidFill>
+            <a:prstDash val="solid"/>
+            <a:round/>
+            <a:headEnd type="none" w="med" len="med"/>
+            <a:tailEnd type="none" w="med" len="med"/>
+          </a:ln>
+        </p:spPr>
+        <p:style>
+          <a:lnRef idx="0">
+            <a:scrgbClr r="0" g="0" b="0"/>
+          </a:lnRef>
+          <a:fillRef idx="0">
+            <a:scrgbClr r="0" g="0" b="0"/>
+          </a:fillRef>
+          <a:effectRef idx="0">
+            <a:scrgbClr r="0" g="0" b="0"/>
+          </a:effectRef>
+          <a:fontRef idx="minor">
+            <a:schemeClr val="dk1"/>
+          </a:fontRef>
+        </p:style>
+        <p:txBody>
+          <a:bodyPr rtlCol="0" anchor="ctr"/>
+          <a:lstStyle/>
+          <a:p>
+            <a:pPr algn="ctr"/>
+            <a:endParaRPr lang="en-US" dirty="0">
+              <a:solidFill>
+                <a:srgbClr val="FF0000"/>
+              </a:solidFill>
+            </a:endParaRPr>
+          </a:p>
+        </p:txBody>
+      </p:sp>
+      <p:sp>
+        <p:nvSpPr>
+          <p:cNvPr id="42" name="Rectangle 41">
+            <a:extLst>
+              <a:ext uri="{FF2B5EF4-FFF2-40B4-BE49-F238E27FC236}">
+                <a16:creationId xmlns:a16="http://schemas.microsoft.com/office/drawing/2014/main" id="{A7DC362B-3BE9-D19E-02D6-2832BDB464D6}"/>
+              </a:ext>
+            </a:extLst>
+          </p:cNvPr>
+          <p:cNvSpPr/>
+          <p:nvPr/>
+        </p:nvSpPr>
+        <p:spPr>
+          <a:xfrm>
+            <a:off x="2726782" y="5230753"/>
+            <a:ext cx="330442" cy="616295"/>
+          </a:xfrm>
+          <a:prstGeom prst="rect">
+            <a:avLst/>
+          </a:prstGeom>
+          <a:solidFill>
+            <a:srgbClr val="FF0000"/>
+          </a:solidFill>
+          <a:ln w="9525" cap="flat" cmpd="sng" algn="ctr">
+            <a:solidFill>
+              <a:schemeClr val="dk1"/>
+            </a:solidFill>
+            <a:prstDash val="solid"/>
+            <a:round/>
+            <a:headEnd type="none" w="med" len="med"/>
+            <a:tailEnd type="none" w="med" len="med"/>
+          </a:ln>
+        </p:spPr>
+        <p:style>
+          <a:lnRef idx="0">
+            <a:scrgbClr r="0" g="0" b="0"/>
+          </a:lnRef>
+          <a:fillRef idx="0">
+            <a:scrgbClr r="0" g="0" b="0"/>
+          </a:fillRef>
+          <a:effectRef idx="0">
+            <a:scrgbClr r="0" g="0" b="0"/>
+          </a:effectRef>
+          <a:fontRef idx="minor">
+            <a:schemeClr val="dk1"/>
+          </a:fontRef>
+        </p:style>
+        <p:txBody>
+          <a:bodyPr rtlCol="0" anchor="ctr"/>
+          <a:lstStyle/>
+          <a:p>
+            <a:pPr algn="ctr"/>
+            <a:endParaRPr lang="en-US" dirty="0">
+              <a:solidFill>
+                <a:srgbClr val="FF0000"/>
+              </a:solidFill>
+            </a:endParaRPr>
+          </a:p>
+        </p:txBody>
+      </p:sp>
+      <p:sp>
+        <p:nvSpPr>
+          <p:cNvPr id="43" name="Rectangle 42">
+            <a:extLst>
+              <a:ext uri="{FF2B5EF4-FFF2-40B4-BE49-F238E27FC236}">
+                <a16:creationId xmlns:a16="http://schemas.microsoft.com/office/drawing/2014/main" id="{30E48828-9597-902A-9254-8376F4B92BA7}"/>
+              </a:ext>
+            </a:extLst>
+          </p:cNvPr>
+          <p:cNvSpPr/>
+          <p:nvPr/>
+        </p:nvSpPr>
+        <p:spPr>
+          <a:xfrm rot="20946528">
+            <a:off x="3841059" y="1283344"/>
+            <a:ext cx="330442" cy="616295"/>
+          </a:xfrm>
+          <a:prstGeom prst="rect">
+            <a:avLst/>
+          </a:prstGeom>
+          <a:solidFill>
+            <a:srgbClr val="FF0000"/>
+          </a:solidFill>
+          <a:ln w="9525" cap="flat" cmpd="sng" algn="ctr">
+            <a:solidFill>
+              <a:schemeClr val="dk1"/>
+            </a:solidFill>
+            <a:prstDash val="solid"/>
+            <a:round/>
+            <a:headEnd type="none" w="med" len="med"/>
+            <a:tailEnd type="none" w="med" len="med"/>
+          </a:ln>
+        </p:spPr>
+        <p:style>
+          <a:lnRef idx="0">
+            <a:scrgbClr r="0" g="0" b="0"/>
+          </a:lnRef>
+          <a:fillRef idx="0">
+            <a:scrgbClr r="0" g="0" b="0"/>
+          </a:fillRef>
+          <a:effectRef idx="0">
+            <a:scrgbClr r="0" g="0" b="0"/>
+          </a:effectRef>
+          <a:fontRef idx="minor">
+            <a:schemeClr val="dk1"/>
+          </a:fontRef>
+        </p:style>
+        <p:txBody>
+          <a:bodyPr rtlCol="0" anchor="ctr"/>
+          <a:lstStyle/>
+          <a:p>
+            <a:pPr algn="ctr"/>
+            <a:endParaRPr lang="en-US">
+              <a:solidFill>
+                <a:srgbClr val="FF0000"/>
+              </a:solidFill>
+            </a:endParaRPr>
+          </a:p>
+        </p:txBody>
+      </p:sp>
+      <p:sp>
+        <p:nvSpPr>
+          <p:cNvPr id="44" name="Rectangle 43">
+            <a:extLst>
+              <a:ext uri="{FF2B5EF4-FFF2-40B4-BE49-F238E27FC236}">
+                <a16:creationId xmlns:a16="http://schemas.microsoft.com/office/drawing/2014/main" id="{23793CFA-BB96-B6FB-D10D-9D78762CF0DB}"/>
+              </a:ext>
+            </a:extLst>
+          </p:cNvPr>
+          <p:cNvSpPr/>
+          <p:nvPr/>
+        </p:nvSpPr>
+        <p:spPr>
+          <a:xfrm rot="20946528">
+            <a:off x="4017509" y="2404696"/>
+            <a:ext cx="330442" cy="616295"/>
+          </a:xfrm>
+          <a:prstGeom prst="rect">
+            <a:avLst/>
+          </a:prstGeom>
+          <a:solidFill>
+            <a:srgbClr val="FF0000"/>
+          </a:solidFill>
+          <a:ln w="9525" cap="flat" cmpd="sng" algn="ctr">
+            <a:solidFill>
+              <a:schemeClr val="dk1"/>
+            </a:solidFill>
+            <a:prstDash val="solid"/>
+            <a:round/>
+            <a:headEnd type="none" w="med" len="med"/>
+            <a:tailEnd type="none" w="med" len="med"/>
+          </a:ln>
+        </p:spPr>
+        <p:style>
+          <a:lnRef idx="0">
+            <a:scrgbClr r="0" g="0" b="0"/>
+          </a:lnRef>
+          <a:fillRef idx="0">
+            <a:scrgbClr r="0" g="0" b="0"/>
+          </a:fillRef>
+          <a:effectRef idx="0">
+            <a:scrgbClr r="0" g="0" b="0"/>
+          </a:effectRef>
+          <a:fontRef idx="minor">
+            <a:schemeClr val="dk1"/>
+          </a:fontRef>
+        </p:style>
+        <p:txBody>
+          <a:bodyPr rtlCol="0" anchor="ctr"/>
+          <a:lstStyle/>
+          <a:p>
+            <a:pPr algn="ctr"/>
+            <a:endParaRPr lang="en-US">
+              <a:solidFill>
+                <a:srgbClr val="FF0000"/>
+              </a:solidFill>
+            </a:endParaRPr>
+          </a:p>
+        </p:txBody>
+      </p:sp>
+      <p:sp>
+        <p:nvSpPr>
+          <p:cNvPr id="45" name="Rectangle 44">
+            <a:extLst>
+              <a:ext uri="{FF2B5EF4-FFF2-40B4-BE49-F238E27FC236}">
+                <a16:creationId xmlns:a16="http://schemas.microsoft.com/office/drawing/2014/main" id="{7B04881E-0C53-3F96-DB3D-BD6240C2292A}"/>
+              </a:ext>
+            </a:extLst>
+          </p:cNvPr>
+          <p:cNvSpPr/>
+          <p:nvPr/>
+        </p:nvSpPr>
+        <p:spPr>
+          <a:xfrm rot="20946528">
+            <a:off x="4274767" y="3459165"/>
+            <a:ext cx="267850" cy="356806"/>
+          </a:xfrm>
+          <a:prstGeom prst="rect">
+            <a:avLst/>
+          </a:prstGeom>
+          <a:solidFill>
+            <a:srgbClr val="FF0000"/>
+          </a:solidFill>
+          <a:ln w="9525" cap="flat" cmpd="sng" algn="ctr">
+            <a:solidFill>
+              <a:schemeClr val="dk1"/>
+            </a:solidFill>
+            <a:prstDash val="solid"/>
+            <a:round/>
+            <a:headEnd type="none" w="med" len="med"/>
+            <a:tailEnd type="none" w="med" len="med"/>
+          </a:ln>
+        </p:spPr>
+        <p:style>
+          <a:lnRef idx="0">
+            <a:scrgbClr r="0" g="0" b="0"/>
+          </a:lnRef>
+          <a:fillRef idx="0">
+            <a:scrgbClr r="0" g="0" b="0"/>
+          </a:fillRef>
+          <a:effectRef idx="0">
+            <a:scrgbClr r="0" g="0" b="0"/>
+          </a:effectRef>
+          <a:fontRef idx="minor">
+            <a:schemeClr val="dk1"/>
+          </a:fontRef>
+        </p:style>
+        <p:txBody>
+          <a:bodyPr rtlCol="0" anchor="ctr"/>
+          <a:lstStyle/>
+          <a:p>
+            <a:pPr algn="ctr"/>
+            <a:endParaRPr lang="en-US">
+              <a:solidFill>
+                <a:srgbClr val="FF0000"/>
+              </a:solidFill>
+            </a:endParaRPr>
+          </a:p>
+        </p:txBody>
+      </p:sp>
+      <p:sp>
+        <p:nvSpPr>
+          <p:cNvPr id="46" name="Rectangle 45">
+            <a:extLst>
+              <a:ext uri="{FF2B5EF4-FFF2-40B4-BE49-F238E27FC236}">
+                <a16:creationId xmlns:a16="http://schemas.microsoft.com/office/drawing/2014/main" id="{5391A1FC-0F88-B2F3-0943-671AB56ED6B1}"/>
+              </a:ext>
+            </a:extLst>
+          </p:cNvPr>
+          <p:cNvSpPr/>
+          <p:nvPr/>
+        </p:nvSpPr>
+        <p:spPr>
+          <a:xfrm rot="797786">
+            <a:off x="1934367" y="3364579"/>
+            <a:ext cx="267850" cy="356806"/>
+          </a:xfrm>
+          <a:prstGeom prst="rect">
+            <a:avLst/>
+          </a:prstGeom>
+          <a:solidFill>
+            <a:srgbClr val="FF0000"/>
+          </a:solidFill>
+          <a:ln w="9525" cap="flat" cmpd="sng" algn="ctr">
+            <a:solidFill>
+              <a:schemeClr val="dk1"/>
+            </a:solidFill>
+            <a:prstDash val="solid"/>
+            <a:round/>
+            <a:headEnd type="none" w="med" len="med"/>
+            <a:tailEnd type="none" w="med" len="med"/>
+          </a:ln>
+        </p:spPr>
+        <p:style>
+          <a:lnRef idx="0">
+            <a:scrgbClr r="0" g="0" b="0"/>
+          </a:lnRef>
+          <a:fillRef idx="0">
+            <a:scrgbClr r="0" g="0" b="0"/>
+          </a:fillRef>
+          <a:effectRef idx="0">
+            <a:scrgbClr r="0" g="0" b="0"/>
+          </a:effectRef>
+          <a:fontRef idx="minor">
+            <a:schemeClr val="dk1"/>
+          </a:fontRef>
+        </p:style>
+        <p:txBody>
+          <a:bodyPr rtlCol="0" anchor="ctr"/>
+          <a:lstStyle/>
+          <a:p>
+            <a:pPr algn="ctr"/>
+            <a:endParaRPr lang="en-US">
+              <a:solidFill>
+                <a:srgbClr val="FF0000"/>
+              </a:solidFill>
+            </a:endParaRPr>
+          </a:p>
+        </p:txBody>
+      </p:sp>
+      <p:sp>
+        <p:nvSpPr>
+          <p:cNvPr id="47" name="Rectangle 46">
+            <a:extLst>
+              <a:ext uri="{FF2B5EF4-FFF2-40B4-BE49-F238E27FC236}">
+                <a16:creationId xmlns:a16="http://schemas.microsoft.com/office/drawing/2014/main" id="{04394036-6620-2553-9F89-78018F9C0710}"/>
+              </a:ext>
+            </a:extLst>
+          </p:cNvPr>
+          <p:cNvSpPr/>
+          <p:nvPr/>
+        </p:nvSpPr>
+        <p:spPr>
+          <a:xfrm rot="797786">
+            <a:off x="2823092" y="6358522"/>
+            <a:ext cx="333207" cy="287151"/>
+          </a:xfrm>
+          <a:prstGeom prst="rect">
+            <a:avLst/>
+          </a:prstGeom>
+          <a:solidFill>
+            <a:srgbClr val="FF0000"/>
+          </a:solidFill>
+          <a:ln w="9525" cap="flat" cmpd="sng" algn="ctr">
+            <a:solidFill>
+              <a:schemeClr val="dk1"/>
+            </a:solidFill>
+            <a:prstDash val="solid"/>
+            <a:round/>
+            <a:headEnd type="none" w="med" len="med"/>
+            <a:tailEnd type="none" w="med" len="med"/>
+          </a:ln>
+        </p:spPr>
+        <p:style>
+          <a:lnRef idx="0">
+            <a:scrgbClr r="0" g="0" b="0"/>
+          </a:lnRef>
+          <a:fillRef idx="0">
+            <a:scrgbClr r="0" g="0" b="0"/>
+          </a:fillRef>
+          <a:effectRef idx="0">
+            <a:scrgbClr r="0" g="0" b="0"/>
+          </a:effectRef>
+          <a:fontRef idx="minor">
+            <a:schemeClr val="dk1"/>
+          </a:fontRef>
+        </p:style>
+        <p:txBody>
+          <a:bodyPr rtlCol="0" anchor="ctr"/>
+          <a:lstStyle/>
+          <a:p>
+            <a:pPr algn="ctr"/>
+            <a:endParaRPr lang="en-US">
+              <a:solidFill>
+                <a:srgbClr val="FF0000"/>
+              </a:solidFill>
+            </a:endParaRPr>
+          </a:p>
+        </p:txBody>
+      </p:sp>
+      <p:sp>
+        <p:nvSpPr>
+          <p:cNvPr id="48" name="Rectangle 47">
+            <a:extLst>
+              <a:ext uri="{FF2B5EF4-FFF2-40B4-BE49-F238E27FC236}">
+                <a16:creationId xmlns:a16="http://schemas.microsoft.com/office/drawing/2014/main" id="{F4397861-2518-E301-2B12-0AFEC81E3584}"/>
+              </a:ext>
+            </a:extLst>
+          </p:cNvPr>
+          <p:cNvSpPr/>
+          <p:nvPr/>
+        </p:nvSpPr>
+        <p:spPr>
+          <a:xfrm rot="21077033">
+            <a:off x="3346138" y="6384916"/>
+            <a:ext cx="333207" cy="287151"/>
+          </a:xfrm>
+          <a:prstGeom prst="rect">
+            <a:avLst/>
+          </a:prstGeom>
+          <a:solidFill>
+            <a:srgbClr val="FF0000"/>
+          </a:solidFill>
+          <a:ln w="9525" cap="flat" cmpd="sng" algn="ctr">
+            <a:solidFill>
+              <a:schemeClr val="dk1"/>
+            </a:solidFill>
+            <a:prstDash val="solid"/>
+            <a:round/>
+            <a:headEnd type="none" w="med" len="med"/>
+            <a:tailEnd type="none" w="med" len="med"/>
+          </a:ln>
+        </p:spPr>
+        <p:style>
+          <a:lnRef idx="0">
+            <a:scrgbClr r="0" g="0" b="0"/>
+          </a:lnRef>
+          <a:fillRef idx="0">
+            <a:scrgbClr r="0" g="0" b="0"/>
+          </a:fillRef>
+          <a:effectRef idx="0">
+            <a:scrgbClr r="0" g="0" b="0"/>
+          </a:effectRef>
+          <a:fontRef idx="minor">
+            <a:schemeClr val="dk1"/>
+          </a:fontRef>
+        </p:style>
+        <p:txBody>
+          <a:bodyPr rtlCol="0" anchor="ctr"/>
+          <a:lstStyle/>
+          <a:p>
+            <a:pPr algn="ctr"/>
+            <a:endParaRPr lang="en-US">
+              <a:solidFill>
+                <a:srgbClr val="FF0000"/>
+              </a:solidFill>
+            </a:endParaRPr>
+          </a:p>
+        </p:txBody>
+      </p:sp>
+      <p:sp>
+        <p:nvSpPr>
+          <p:cNvPr id="49" name="Rectangle 48">
+            <a:extLst>
+              <a:ext uri="{FF2B5EF4-FFF2-40B4-BE49-F238E27FC236}">
+                <a16:creationId xmlns:a16="http://schemas.microsoft.com/office/drawing/2014/main" id="{0946EEBA-002A-1C23-66F6-331D2B379F36}"/>
+              </a:ext>
+            </a:extLst>
+          </p:cNvPr>
+          <p:cNvSpPr/>
+          <p:nvPr/>
+        </p:nvSpPr>
+        <p:spPr>
+          <a:xfrm>
+            <a:off x="3122370" y="97230"/>
+            <a:ext cx="267850" cy="356806"/>
+          </a:xfrm>
+          <a:prstGeom prst="rect">
+            <a:avLst/>
+          </a:prstGeom>
+          <a:solidFill>
+            <a:srgbClr val="FF0000"/>
+          </a:solidFill>
+          <a:ln w="9525" cap="flat" cmpd="sng" algn="ctr">
+            <a:solidFill>
+              <a:schemeClr val="dk1"/>
+            </a:solidFill>
+            <a:prstDash val="solid"/>
+            <a:round/>
+            <a:headEnd type="none" w="med" len="med"/>
+            <a:tailEnd type="none" w="med" len="med"/>
+          </a:ln>
+        </p:spPr>
+        <p:style>
+          <a:lnRef idx="0">
+            <a:scrgbClr r="0" g="0" b="0"/>
+          </a:lnRef>
+          <a:fillRef idx="0">
+            <a:scrgbClr r="0" g="0" b="0"/>
+          </a:fillRef>
+          <a:effectRef idx="0">
+            <a:scrgbClr r="0" g="0" b="0"/>
+          </a:effectRef>
+          <a:fontRef idx="minor">
+            <a:schemeClr val="dk1"/>
+          </a:fontRef>
+        </p:style>
+        <p:txBody>
+          <a:bodyPr rtlCol="0" anchor="ctr"/>
+          <a:lstStyle/>
+          <a:p>
+            <a:pPr algn="ctr"/>
+            <a:endParaRPr lang="en-US">
+              <a:solidFill>
+                <a:srgbClr val="FF0000"/>
+              </a:solidFill>
+            </a:endParaRPr>
+          </a:p>
+        </p:txBody>
+      </p:sp>
+      <p:sp>
+        <p:nvSpPr>
+          <p:cNvPr id="50" name="Rectangle 49">
+            <a:extLst>
+              <a:ext uri="{FF2B5EF4-FFF2-40B4-BE49-F238E27FC236}">
+                <a16:creationId xmlns:a16="http://schemas.microsoft.com/office/drawing/2014/main" id="{A0B7E574-F486-2426-9874-F8813BCE4E71}"/>
+              </a:ext>
+            </a:extLst>
+          </p:cNvPr>
+          <p:cNvSpPr/>
+          <p:nvPr/>
+        </p:nvSpPr>
+        <p:spPr>
+          <a:xfrm>
+            <a:off x="2943848" y="2868914"/>
+            <a:ext cx="609072" cy="334329"/>
+          </a:xfrm>
+          <a:prstGeom prst="rect">
+            <a:avLst/>
+          </a:prstGeom>
+          <a:solidFill>
+            <a:srgbClr val="FF0000"/>
+          </a:solidFill>
+          <a:ln w="9525" cap="flat" cmpd="sng" algn="ctr">
+            <a:solidFill>
+              <a:schemeClr val="dk1"/>
+            </a:solidFill>
+            <a:prstDash val="solid"/>
+            <a:round/>
+            <a:headEnd type="none" w="med" len="med"/>
+            <a:tailEnd type="none" w="med" len="med"/>
+          </a:ln>
+        </p:spPr>
+        <p:style>
+          <a:lnRef idx="0">
+            <a:scrgbClr r="0" g="0" b="0"/>
+          </a:lnRef>
+          <a:fillRef idx="0">
+            <a:scrgbClr r="0" g="0" b="0"/>
+          </a:fillRef>
+          <a:effectRef idx="0">
+            <a:scrgbClr r="0" g="0" b="0"/>
+          </a:effectRef>
+          <a:fontRef idx="minor">
+            <a:schemeClr val="dk1"/>
+          </a:fontRef>
+        </p:style>
+        <p:txBody>
+          <a:bodyPr rtlCol="0" anchor="ctr"/>
+          <a:lstStyle/>
+          <a:p>
+            <a:pPr algn="ctr"/>
+            <a:endParaRPr lang="en-US">
+              <a:solidFill>
+                <a:srgbClr val="FF0000"/>
+              </a:solidFill>
+            </a:endParaRPr>
+          </a:p>
+        </p:txBody>
+      </p:sp>
+      <p:sp>
+        <p:nvSpPr>
+          <p:cNvPr id="51" name="Rectangle 50">
+            <a:extLst>
+              <a:ext uri="{FF2B5EF4-FFF2-40B4-BE49-F238E27FC236}">
+                <a16:creationId xmlns:a16="http://schemas.microsoft.com/office/drawing/2014/main" id="{F282DBA7-7E22-B98D-3F0F-1062102B6D5B}"/>
+              </a:ext>
+            </a:extLst>
+          </p:cNvPr>
+          <p:cNvSpPr/>
+          <p:nvPr/>
+        </p:nvSpPr>
+        <p:spPr>
+          <a:xfrm>
+            <a:off x="2935672" y="1257162"/>
+            <a:ext cx="609072" cy="334329"/>
+          </a:xfrm>
+          <a:prstGeom prst="rect">
+            <a:avLst/>
+          </a:prstGeom>
+          <a:solidFill>
+            <a:srgbClr val="FF0000"/>
+          </a:solidFill>
+          <a:ln w="9525" cap="flat" cmpd="sng" algn="ctr">
+            <a:solidFill>
+              <a:schemeClr val="dk1"/>
+            </a:solidFill>
+            <a:prstDash val="solid"/>
+            <a:round/>
+            <a:headEnd type="none" w="med" len="med"/>
+            <a:tailEnd type="none" w="med" len="med"/>
+          </a:ln>
+        </p:spPr>
+        <p:style>
+          <a:lnRef idx="0">
+            <a:scrgbClr r="0" g="0" b="0"/>
+          </a:lnRef>
+          <a:fillRef idx="0">
+            <a:scrgbClr r="0" g="0" b="0"/>
+          </a:fillRef>
+          <a:effectRef idx="0">
+            <a:scrgbClr r="0" g="0" b="0"/>
+          </a:effectRef>
+          <a:fontRef idx="minor">
+            <a:schemeClr val="dk1"/>
+          </a:fontRef>
+        </p:style>
+        <p:txBody>
+          <a:bodyPr rtlCol="0" anchor="ctr"/>
+          <a:lstStyle/>
+          <a:p>
+            <a:pPr algn="ctr"/>
+            <a:endParaRPr lang="en-US">
+              <a:solidFill>
+                <a:srgbClr val="FF0000"/>
+              </a:solidFill>
+            </a:endParaRPr>
+          </a:p>
+        </p:txBody>
+      </p:sp>
+      <p:cxnSp>
+        <p:nvCxnSpPr>
+          <p:cNvPr id="6" name="Straight Connector 5">
+            <a:extLst>
+              <a:ext uri="{FF2B5EF4-FFF2-40B4-BE49-F238E27FC236}">
+                <a16:creationId xmlns:a16="http://schemas.microsoft.com/office/drawing/2014/main" id="{33160558-701B-6263-3E57-50F8BD6A8A82}"/>
+              </a:ext>
+            </a:extLst>
+          </p:cNvPr>
+          <p:cNvCxnSpPr>
+            <a:cxnSpLocks/>
+            <a:stCxn id="21" idx="0"/>
+            <a:endCxn id="19" idx="2"/>
+          </p:cNvCxnSpPr>
+          <p:nvPr/>
+        </p:nvCxnSpPr>
+        <p:spPr>
+          <a:xfrm flipV="1">
+            <a:off x="9259398" y="486522"/>
+            <a:ext cx="16087" cy="803126"/>
+          </a:xfrm>
+          <a:prstGeom prst="line">
+            <a:avLst/>
+          </a:prstGeom>
+        </p:spPr>
+        <p:style>
+          <a:lnRef idx="1">
+            <a:schemeClr val="dk1"/>
+          </a:lnRef>
+          <a:fillRef idx="0">
+            <a:schemeClr val="dk1"/>
+          </a:fillRef>
+          <a:effectRef idx="0">
+            <a:schemeClr val="dk1"/>
+          </a:effectRef>
+          <a:fontRef idx="minor">
+            <a:schemeClr val="tx1"/>
+          </a:fontRef>
+        </p:style>
+      </p:cxnSp>
+      <p:cxnSp>
+        <p:nvCxnSpPr>
+          <p:cNvPr id="30" name="Straight Connector 29">
+            <a:extLst>
+              <a:ext uri="{FF2B5EF4-FFF2-40B4-BE49-F238E27FC236}">
+                <a16:creationId xmlns:a16="http://schemas.microsoft.com/office/drawing/2014/main" id="{DDFCDF35-4480-D518-C2E0-1911D891E6D8}"/>
+              </a:ext>
+            </a:extLst>
+          </p:cNvPr>
+          <p:cNvCxnSpPr>
+            <a:stCxn id="8" idx="0"/>
+            <a:endCxn id="21" idx="1"/>
+          </p:cNvCxnSpPr>
+          <p:nvPr/>
+        </p:nvCxnSpPr>
+        <p:spPr>
+          <a:xfrm>
+            <a:off x="8610143" y="1362411"/>
+            <a:ext cx="344719" cy="94402"/>
+          </a:xfrm>
+          <a:prstGeom prst="line">
+            <a:avLst/>
+          </a:prstGeom>
+        </p:spPr>
+        <p:style>
+          <a:lnRef idx="1">
+            <a:schemeClr val="accent1"/>
+          </a:lnRef>
+          <a:fillRef idx="0">
+            <a:schemeClr val="accent1"/>
+          </a:fillRef>
+          <a:effectRef idx="0">
+            <a:schemeClr val="accent1"/>
+          </a:effectRef>
+          <a:fontRef idx="minor">
+            <a:schemeClr val="tx1"/>
+          </a:fontRef>
+        </p:style>
+      </p:cxnSp>
+      <p:cxnSp>
+        <p:nvCxnSpPr>
+          <p:cNvPr id="53" name="Straight Connector 52">
+            <a:extLst>
+              <a:ext uri="{FF2B5EF4-FFF2-40B4-BE49-F238E27FC236}">
+                <a16:creationId xmlns:a16="http://schemas.microsoft.com/office/drawing/2014/main" id="{243C8425-B16A-DD88-F9E9-92DB818D66EF}"/>
+              </a:ext>
+            </a:extLst>
+          </p:cNvPr>
+          <p:cNvCxnSpPr>
+            <a:stCxn id="13" idx="0"/>
+            <a:endCxn id="21" idx="3"/>
+          </p:cNvCxnSpPr>
+          <p:nvPr/>
+        </p:nvCxnSpPr>
+        <p:spPr>
+          <a:xfrm flipH="1">
+            <a:off x="9563934" y="1321380"/>
+            <a:ext cx="403313" cy="135433"/>
+          </a:xfrm>
+          <a:prstGeom prst="line">
+            <a:avLst/>
+          </a:prstGeom>
+        </p:spPr>
+        <p:style>
+          <a:lnRef idx="1">
+            <a:schemeClr val="dk1"/>
+          </a:lnRef>
+          <a:fillRef idx="0">
+            <a:schemeClr val="dk1"/>
+          </a:fillRef>
+          <a:effectRef idx="0">
+            <a:schemeClr val="dk1"/>
+          </a:effectRef>
+          <a:fontRef idx="minor">
+            <a:schemeClr val="tx1"/>
+          </a:fontRef>
+        </p:style>
+      </p:cxnSp>
+      <p:cxnSp>
+        <p:nvCxnSpPr>
+          <p:cNvPr id="55" name="Straight Connector 54">
+            <a:extLst>
+              <a:ext uri="{FF2B5EF4-FFF2-40B4-BE49-F238E27FC236}">
+                <a16:creationId xmlns:a16="http://schemas.microsoft.com/office/drawing/2014/main" id="{9643EED9-1B73-0F84-CE85-284E2DE034BC}"/>
+              </a:ext>
+            </a:extLst>
+          </p:cNvPr>
+          <p:cNvCxnSpPr>
+            <a:stCxn id="8" idx="2"/>
+            <a:endCxn id="7" idx="0"/>
+          </p:cNvCxnSpPr>
+          <p:nvPr/>
+        </p:nvCxnSpPr>
+        <p:spPr>
+          <a:xfrm flipH="1">
+            <a:off x="8417867" y="1968278"/>
+            <a:ext cx="79384" cy="479689"/>
+          </a:xfrm>
+          <a:prstGeom prst="line">
+            <a:avLst/>
+          </a:prstGeom>
+        </p:spPr>
+        <p:style>
+          <a:lnRef idx="1">
+            <a:schemeClr val="accent1"/>
+          </a:lnRef>
+          <a:fillRef idx="0">
+            <a:schemeClr val="accent1"/>
+          </a:fillRef>
+          <a:effectRef idx="0">
+            <a:schemeClr val="accent1"/>
+          </a:effectRef>
+          <a:fontRef idx="minor">
+            <a:schemeClr val="tx1"/>
+          </a:fontRef>
+        </p:style>
+      </p:cxnSp>
+      <p:cxnSp>
+        <p:nvCxnSpPr>
+          <p:cNvPr id="57" name="Straight Connector 56">
+            <a:extLst>
+              <a:ext uri="{FF2B5EF4-FFF2-40B4-BE49-F238E27FC236}">
+                <a16:creationId xmlns:a16="http://schemas.microsoft.com/office/drawing/2014/main" id="{4F273865-C943-2A2D-89E4-F906279DEABE}"/>
+              </a:ext>
+            </a:extLst>
+          </p:cNvPr>
+          <p:cNvCxnSpPr>
+            <a:stCxn id="21" idx="2"/>
+            <a:endCxn id="20" idx="0"/>
+          </p:cNvCxnSpPr>
+          <p:nvPr/>
+        </p:nvCxnSpPr>
+        <p:spPr>
+          <a:xfrm>
+            <a:off x="9259398" y="1623977"/>
+            <a:ext cx="8176" cy="1277423"/>
+          </a:xfrm>
+          <a:prstGeom prst="line">
+            <a:avLst/>
+          </a:prstGeom>
+        </p:spPr>
+        <p:style>
+          <a:lnRef idx="1">
+            <a:schemeClr val="accent1"/>
+          </a:lnRef>
+          <a:fillRef idx="0">
+            <a:schemeClr val="accent1"/>
+          </a:fillRef>
+          <a:effectRef idx="0">
+            <a:schemeClr val="accent1"/>
+          </a:effectRef>
+          <a:fontRef idx="minor">
+            <a:schemeClr val="tx1"/>
+          </a:fontRef>
+        </p:style>
+      </p:cxnSp>
+      <p:cxnSp>
+        <p:nvCxnSpPr>
+          <p:cNvPr id="59" name="Straight Connector 58">
+            <a:extLst>
+              <a:ext uri="{FF2B5EF4-FFF2-40B4-BE49-F238E27FC236}">
+                <a16:creationId xmlns:a16="http://schemas.microsoft.com/office/drawing/2014/main" id="{17FD8654-378F-0CB6-7F7D-741B3DA11497}"/>
+              </a:ext>
+            </a:extLst>
+          </p:cNvPr>
+          <p:cNvCxnSpPr>
+            <a:stCxn id="13" idx="2"/>
+            <a:endCxn id="14" idx="0"/>
+          </p:cNvCxnSpPr>
+          <p:nvPr/>
+        </p:nvCxnSpPr>
+        <p:spPr>
+          <a:xfrm>
+            <a:off x="10083693" y="1926575"/>
+            <a:ext cx="60004" cy="516157"/>
+          </a:xfrm>
+          <a:prstGeom prst="line">
+            <a:avLst/>
+          </a:prstGeom>
+        </p:spPr>
+        <p:style>
+          <a:lnRef idx="1">
+            <a:schemeClr val="accent1"/>
+          </a:lnRef>
+          <a:fillRef idx="0">
+            <a:schemeClr val="accent1"/>
+          </a:fillRef>
+          <a:effectRef idx="0">
+            <a:schemeClr val="accent1"/>
+          </a:effectRef>
+          <a:fontRef idx="minor">
+            <a:schemeClr val="tx1"/>
+          </a:fontRef>
+        </p:style>
+      </p:cxnSp>
+      <p:cxnSp>
+        <p:nvCxnSpPr>
+          <p:cNvPr id="61" name="Straight Connector 60">
+            <a:extLst>
+              <a:ext uri="{FF2B5EF4-FFF2-40B4-BE49-F238E27FC236}">
+                <a16:creationId xmlns:a16="http://schemas.microsoft.com/office/drawing/2014/main" id="{09ACFF14-3235-6C11-2C1C-12AEA4D704A0}"/>
+              </a:ext>
+            </a:extLst>
+          </p:cNvPr>
+          <p:cNvCxnSpPr>
+            <a:stCxn id="7" idx="2"/>
+            <a:endCxn id="16" idx="0"/>
+          </p:cNvCxnSpPr>
+          <p:nvPr/>
+        </p:nvCxnSpPr>
+        <p:spPr>
+          <a:xfrm flipH="1">
+            <a:off x="8128513" y="3053834"/>
+            <a:ext cx="176462" cy="348013"/>
+          </a:xfrm>
+          <a:prstGeom prst="line">
+            <a:avLst/>
+          </a:prstGeom>
+        </p:spPr>
+        <p:style>
+          <a:lnRef idx="1">
+            <a:schemeClr val="accent1"/>
+          </a:lnRef>
+          <a:fillRef idx="0">
+            <a:schemeClr val="accent1"/>
+          </a:fillRef>
+          <a:effectRef idx="0">
+            <a:schemeClr val="accent1"/>
+          </a:effectRef>
+          <a:fontRef idx="minor">
+            <a:schemeClr val="tx1"/>
+          </a:fontRef>
+        </p:style>
+      </p:cxnSp>
+      <p:cxnSp>
+        <p:nvCxnSpPr>
+          <p:cNvPr id="63" name="Straight Connector 62">
+            <a:extLst>
+              <a:ext uri="{FF2B5EF4-FFF2-40B4-BE49-F238E27FC236}">
+                <a16:creationId xmlns:a16="http://schemas.microsoft.com/office/drawing/2014/main" id="{49F3E4CE-0E12-4285-1FD4-041D392DF2DE}"/>
+              </a:ext>
+            </a:extLst>
+          </p:cNvPr>
+          <p:cNvCxnSpPr>
+            <a:endCxn id="9" idx="0"/>
+          </p:cNvCxnSpPr>
+          <p:nvPr/>
+        </p:nvCxnSpPr>
+        <p:spPr>
+          <a:xfrm flipH="1">
+            <a:off x="8911193" y="3235729"/>
+            <a:ext cx="364292" cy="556518"/>
+          </a:xfrm>
+          <a:prstGeom prst="line">
+            <a:avLst/>
+          </a:prstGeom>
+        </p:spPr>
+        <p:style>
+          <a:lnRef idx="1">
+            <a:schemeClr val="accent1"/>
+          </a:lnRef>
+          <a:fillRef idx="0">
+            <a:schemeClr val="accent1"/>
+          </a:fillRef>
+          <a:effectRef idx="0">
+            <a:schemeClr val="accent1"/>
+          </a:effectRef>
+          <a:fontRef idx="minor">
+            <a:schemeClr val="tx1"/>
+          </a:fontRef>
+        </p:style>
+      </p:cxnSp>
+      <p:cxnSp>
+        <p:nvCxnSpPr>
+          <p:cNvPr id="65" name="Straight Connector 64">
+            <a:extLst>
+              <a:ext uri="{FF2B5EF4-FFF2-40B4-BE49-F238E27FC236}">
+                <a16:creationId xmlns:a16="http://schemas.microsoft.com/office/drawing/2014/main" id="{2EAD5137-A4B8-2CC6-67F6-7E2F76B8A8CD}"/>
+              </a:ext>
+            </a:extLst>
+          </p:cNvPr>
+          <p:cNvCxnSpPr>
+            <a:stCxn id="20" idx="2"/>
+            <a:endCxn id="10" idx="0"/>
+          </p:cNvCxnSpPr>
+          <p:nvPr/>
+        </p:nvCxnSpPr>
+        <p:spPr>
+          <a:xfrm>
+            <a:off x="9267574" y="3235729"/>
+            <a:ext cx="372207" cy="556517"/>
+          </a:xfrm>
+          <a:prstGeom prst="line">
+            <a:avLst/>
+          </a:prstGeom>
+        </p:spPr>
+        <p:style>
+          <a:lnRef idx="1">
+            <a:schemeClr val="accent1"/>
+          </a:lnRef>
+          <a:fillRef idx="0">
+            <a:schemeClr val="accent1"/>
+          </a:fillRef>
+          <a:effectRef idx="0">
+            <a:schemeClr val="accent1"/>
+          </a:effectRef>
+          <a:fontRef idx="minor">
+            <a:schemeClr val="tx1"/>
+          </a:fontRef>
+        </p:style>
+      </p:cxnSp>
+      <p:cxnSp>
+        <p:nvCxnSpPr>
+          <p:cNvPr id="67" name="Straight Connector 66">
+            <a:extLst>
+              <a:ext uri="{FF2B5EF4-FFF2-40B4-BE49-F238E27FC236}">
+                <a16:creationId xmlns:a16="http://schemas.microsoft.com/office/drawing/2014/main" id="{9EAA9C04-E2A3-E627-BA5A-C060AFEC9512}"/>
+              </a:ext>
+            </a:extLst>
+          </p:cNvPr>
+          <p:cNvCxnSpPr>
+            <a:stCxn id="9" idx="2"/>
+            <a:endCxn id="12" idx="0"/>
+          </p:cNvCxnSpPr>
+          <p:nvPr/>
+        </p:nvCxnSpPr>
+        <p:spPr>
+          <a:xfrm>
+            <a:off x="8911193" y="4408542"/>
+            <a:ext cx="0" cy="854697"/>
+          </a:xfrm>
+          <a:prstGeom prst="line">
+            <a:avLst/>
+          </a:prstGeom>
+        </p:spPr>
+        <p:style>
+          <a:lnRef idx="1">
+            <a:schemeClr val="accent1"/>
+          </a:lnRef>
+          <a:fillRef idx="0">
+            <a:schemeClr val="accent1"/>
+          </a:fillRef>
+          <a:effectRef idx="0">
+            <a:schemeClr val="accent1"/>
+          </a:effectRef>
+          <a:fontRef idx="minor">
+            <a:schemeClr val="tx1"/>
+          </a:fontRef>
+        </p:style>
+      </p:cxnSp>
+      <p:cxnSp>
+        <p:nvCxnSpPr>
+          <p:cNvPr id="69" name="Straight Connector 68">
+            <a:extLst>
+              <a:ext uri="{FF2B5EF4-FFF2-40B4-BE49-F238E27FC236}">
+                <a16:creationId xmlns:a16="http://schemas.microsoft.com/office/drawing/2014/main" id="{2451E68B-1128-756A-25D2-02593D4793CF}"/>
+              </a:ext>
+            </a:extLst>
+          </p:cNvPr>
+          <p:cNvCxnSpPr>
+            <a:stCxn id="10" idx="2"/>
+            <a:endCxn id="11" idx="0"/>
+          </p:cNvCxnSpPr>
+          <p:nvPr/>
+        </p:nvCxnSpPr>
+        <p:spPr>
+          <a:xfrm>
+            <a:off x="9639781" y="4408541"/>
+            <a:ext cx="44768" cy="854698"/>
+          </a:xfrm>
+          <a:prstGeom prst="line">
+            <a:avLst/>
+          </a:prstGeom>
+        </p:spPr>
+        <p:style>
+          <a:lnRef idx="1">
+            <a:schemeClr val="accent1"/>
+          </a:lnRef>
+          <a:fillRef idx="0">
+            <a:schemeClr val="accent1"/>
+          </a:fillRef>
+          <a:effectRef idx="0">
+            <a:schemeClr val="accent1"/>
+          </a:effectRef>
+          <a:fontRef idx="minor">
+            <a:schemeClr val="tx1"/>
+          </a:fontRef>
+        </p:style>
+      </p:cxnSp>
+      <p:cxnSp>
+        <p:nvCxnSpPr>
+          <p:cNvPr id="75" name="Straight Connector 74">
+            <a:extLst>
+              <a:ext uri="{FF2B5EF4-FFF2-40B4-BE49-F238E27FC236}">
+                <a16:creationId xmlns:a16="http://schemas.microsoft.com/office/drawing/2014/main" id="{124EA6F1-115E-098C-9844-66864161C73B}"/>
+              </a:ext>
+            </a:extLst>
+          </p:cNvPr>
+          <p:cNvCxnSpPr>
+            <a:stCxn id="12" idx="2"/>
+            <a:endCxn id="17" idx="0"/>
+          </p:cNvCxnSpPr>
+          <p:nvPr/>
+        </p:nvCxnSpPr>
+        <p:spPr>
+          <a:xfrm>
+            <a:off x="8911193" y="5879534"/>
+            <a:ext cx="33020" cy="461078"/>
+          </a:xfrm>
+          <a:prstGeom prst="line">
+            <a:avLst/>
+          </a:prstGeom>
+        </p:spPr>
+        <p:style>
+          <a:lnRef idx="1">
+            <a:schemeClr val="accent1"/>
+          </a:lnRef>
+          <a:fillRef idx="0">
+            <a:schemeClr val="accent1"/>
+          </a:fillRef>
+          <a:effectRef idx="0">
+            <a:schemeClr val="accent1"/>
+          </a:effectRef>
+          <a:fontRef idx="minor">
+            <a:schemeClr val="tx1"/>
+          </a:fontRef>
+        </p:style>
+      </p:cxnSp>
+      <p:cxnSp>
+        <p:nvCxnSpPr>
+          <p:cNvPr id="77" name="Straight Connector 76">
+            <a:extLst>
+              <a:ext uri="{FF2B5EF4-FFF2-40B4-BE49-F238E27FC236}">
+                <a16:creationId xmlns:a16="http://schemas.microsoft.com/office/drawing/2014/main" id="{D2A26B84-7FE7-63E1-1600-96FFA7B9FACF}"/>
+              </a:ext>
+            </a:extLst>
+          </p:cNvPr>
+          <p:cNvCxnSpPr>
+            <a:stCxn id="18" idx="0"/>
+            <a:endCxn id="11" idx="2"/>
+          </p:cNvCxnSpPr>
+          <p:nvPr/>
+        </p:nvCxnSpPr>
+        <p:spPr>
+          <a:xfrm flipH="1" flipV="1">
+            <a:off x="9684549" y="5879534"/>
+            <a:ext cx="51058" cy="469766"/>
+          </a:xfrm>
+          <a:prstGeom prst="line">
+            <a:avLst/>
+          </a:prstGeom>
+        </p:spPr>
+        <p:style>
+          <a:lnRef idx="1">
+            <a:schemeClr val="accent1"/>
+          </a:lnRef>
+          <a:fillRef idx="0">
+            <a:schemeClr val="accent1"/>
+          </a:fillRef>
+          <a:effectRef idx="0">
+            <a:schemeClr val="accent1"/>
+          </a:effectRef>
+          <a:fontRef idx="minor">
+            <a:schemeClr val="tx1"/>
+          </a:fontRef>
+        </p:style>
+      </p:cxnSp>
+    </p:spTree>
+    <p:extLst>
+      <p:ext uri="{BB962C8B-B14F-4D97-AF65-F5344CB8AC3E}">
+        <p14:creationId xmlns:p14="http://schemas.microsoft.com/office/powerpoint/2010/main" val="681982269"/>
+      </p:ext>
+    </p:extLst>
+  </p:cSld>
+  <p:clrMapOvr>
+    <a:masterClrMapping/>
+  </p:clrMapOvr>
+</p:sld>
+</file>
+
+<file path=ppt/slides/slide2.xml><?xml version="1.0" encoding="utf-8"?>
+<p:sld xmlns:a="http://schemas.openxmlformats.org/drawingml/2006/main" xmlns:r="http://schemas.openxmlformats.org/officeDocument/2006/relationships" xmlns:p="http://schemas.openxmlformats.org/presentationml/2006/main">
+  <p:cSld>
+    <p:spTree>
+      <p:nvGrpSpPr>
+        <p:cNvPr id="1" name=""/>
+        <p:cNvGrpSpPr/>
+        <p:nvPr/>
+      </p:nvGrpSpPr>
+      <p:grpSpPr>
+        <a:xfrm>
+          <a:off x="0" y="0"/>
+          <a:ext cx="0" cy="0"/>
+          <a:chOff x="0" y="0"/>
+          <a:chExt cx="0" cy="0"/>
+        </a:xfrm>
+      </p:grpSpPr>
+      <p:pic>
+        <p:nvPicPr>
+          <p:cNvPr id="5" name="Picture 4" descr="Shape&#10;&#10;Description automatically generated with low confidence">
+            <a:extLst>
+              <a:ext uri="{FF2B5EF4-FFF2-40B4-BE49-F238E27FC236}">
+                <a16:creationId xmlns:a16="http://schemas.microsoft.com/office/drawing/2014/main" id="{95E23FA6-9C31-B39A-8092-AE96D5628DE6}"/>
+              </a:ext>
+            </a:extLst>
+          </p:cNvPr>
+          <p:cNvPicPr>
+            <a:picLocks noChangeAspect="1"/>
+          </p:cNvPicPr>
+          <p:nvPr/>
+        </p:nvPicPr>
+        <p:blipFill>
+          <a:blip r:embed="rId2">
+            <a:extLst>
+              <a:ext uri="{28A0092B-C50C-407E-A947-70E740481C1C}">
+                <a14:useLocalDpi xmlns:a14="http://schemas.microsoft.com/office/drawing/2010/main" val="0"/>
+              </a:ext>
+            </a:extLst>
+          </a:blip>
+          <a:stretch>
+            <a:fillRect/>
+          </a:stretch>
+        </p:blipFill>
+        <p:spPr>
+          <a:xfrm>
+            <a:off x="2732816" y="65816"/>
+            <a:ext cx="6726367" cy="6726367"/>
+          </a:xfrm>
+          <a:prstGeom prst="rect">
+            <a:avLst/>
+          </a:prstGeom>
+        </p:spPr>
+      </p:pic>
+      <p:sp>
+        <p:nvSpPr>
+          <p:cNvPr id="7" name="Rectangle 6">
+            <a:extLst>
+              <a:ext uri="{FF2B5EF4-FFF2-40B4-BE49-F238E27FC236}">
+                <a16:creationId xmlns:a16="http://schemas.microsoft.com/office/drawing/2014/main" id="{95F1E777-C79E-FA6D-BAE8-3DAC67C275A6}"/>
+              </a:ext>
+            </a:extLst>
+          </p:cNvPr>
+          <p:cNvSpPr/>
+          <p:nvPr/>
+        </p:nvSpPr>
+        <p:spPr>
+          <a:xfrm rot="633295">
+            <a:off x="5043767" y="2500705"/>
+            <a:ext cx="276335" cy="616295"/>
+          </a:xfrm>
+          <a:prstGeom prst="rect">
+            <a:avLst/>
+          </a:prstGeom>
+          <a:solidFill>
+            <a:srgbClr val="FF0000"/>
+          </a:solidFill>
+          <a:ln w="9525" cap="flat" cmpd="sng" algn="ctr">
+            <a:solidFill>
+              <a:schemeClr val="dk1"/>
+            </a:solidFill>
+            <a:prstDash val="solid"/>
+            <a:round/>
+            <a:headEnd type="none" w="med" len="med"/>
+            <a:tailEnd type="none" w="med" len="med"/>
+          </a:ln>
+        </p:spPr>
+        <p:style>
+          <a:lnRef idx="0">
+            <a:scrgbClr r="0" g="0" b="0"/>
+          </a:lnRef>
+          <a:fillRef idx="0">
+            <a:scrgbClr r="0" g="0" b="0"/>
+          </a:fillRef>
+          <a:effectRef idx="0">
+            <a:scrgbClr r="0" g="0" b="0"/>
+          </a:effectRef>
+          <a:fontRef idx="minor">
+            <a:schemeClr val="dk1"/>
+          </a:fontRef>
+        </p:style>
+        <p:txBody>
+          <a:bodyPr rtlCol="0" anchor="ctr"/>
+          <a:lstStyle/>
+          <a:p>
+            <a:pPr algn="ctr"/>
+            <a:endParaRPr lang="en-US">
+              <a:solidFill>
+                <a:srgbClr val="FF0000"/>
+              </a:solidFill>
+            </a:endParaRPr>
+          </a:p>
+        </p:txBody>
+      </p:sp>
+      <p:sp>
+        <p:nvSpPr>
+          <p:cNvPr id="8" name="Rectangle 7">
+            <a:extLst>
+              <a:ext uri="{FF2B5EF4-FFF2-40B4-BE49-F238E27FC236}">
+                <a16:creationId xmlns:a16="http://schemas.microsoft.com/office/drawing/2014/main" id="{4D9BB90F-47FD-8CDF-E526-DA084AB0FB05}"/>
+              </a:ext>
+            </a:extLst>
+          </p:cNvPr>
+          <p:cNvSpPr/>
+          <p:nvPr/>
+        </p:nvSpPr>
+        <p:spPr>
+          <a:xfrm rot="633295">
+            <a:off x="5236043" y="1415149"/>
+            <a:ext cx="276335" cy="616295"/>
+          </a:xfrm>
+          <a:prstGeom prst="rect">
+            <a:avLst/>
+          </a:prstGeom>
+          <a:solidFill>
+            <a:srgbClr val="FF0000"/>
+          </a:solidFill>
+          <a:ln w="9525" cap="flat" cmpd="sng" algn="ctr">
+            <a:solidFill>
+              <a:schemeClr val="dk1"/>
+            </a:solidFill>
+            <a:prstDash val="solid"/>
+            <a:round/>
+            <a:headEnd type="none" w="med" len="med"/>
+            <a:tailEnd type="none" w="med" len="med"/>
+          </a:ln>
+        </p:spPr>
+        <p:style>
+          <a:lnRef idx="0">
+            <a:scrgbClr r="0" g="0" b="0"/>
+          </a:lnRef>
+          <a:fillRef idx="0">
+            <a:scrgbClr r="0" g="0" b="0"/>
+          </a:fillRef>
+          <a:effectRef idx="0">
+            <a:scrgbClr r="0" g="0" b="0"/>
+          </a:effectRef>
+          <a:fontRef idx="minor">
+            <a:schemeClr val="dk1"/>
+          </a:fontRef>
+        </p:style>
+        <p:txBody>
+          <a:bodyPr rtlCol="0" anchor="ctr"/>
+          <a:lstStyle/>
+          <a:p>
+            <a:pPr algn="ctr"/>
+            <a:endParaRPr lang="en-US">
+              <a:solidFill>
+                <a:srgbClr val="FF0000"/>
+              </a:solidFill>
+            </a:endParaRPr>
+          </a:p>
+        </p:txBody>
+      </p:sp>
+      <p:sp>
+        <p:nvSpPr>
+          <p:cNvPr id="9" name="Rectangle 8">
+            <a:extLst>
+              <a:ext uri="{FF2B5EF4-FFF2-40B4-BE49-F238E27FC236}">
+                <a16:creationId xmlns:a16="http://schemas.microsoft.com/office/drawing/2014/main" id="{2711CD55-AD84-04AB-43B5-35E90DA2C023}"/>
+              </a:ext>
+            </a:extLst>
+          </p:cNvPr>
+          <p:cNvSpPr/>
+          <p:nvPr/>
+        </p:nvSpPr>
+        <p:spPr>
+          <a:xfrm>
+            <a:off x="5566486" y="3850199"/>
+            <a:ext cx="330442" cy="616295"/>
+          </a:xfrm>
+          <a:prstGeom prst="rect">
+            <a:avLst/>
+          </a:prstGeom>
+          <a:solidFill>
+            <a:srgbClr val="FF0000"/>
+          </a:solidFill>
+          <a:ln w="9525" cap="flat" cmpd="sng" algn="ctr">
+            <a:solidFill>
+              <a:schemeClr val="dk1"/>
+            </a:solidFill>
+            <a:prstDash val="solid"/>
+            <a:round/>
+            <a:headEnd type="none" w="med" len="med"/>
+            <a:tailEnd type="none" w="med" len="med"/>
+          </a:ln>
+        </p:spPr>
+        <p:style>
+          <a:lnRef idx="0">
+            <a:scrgbClr r="0" g="0" b="0"/>
+          </a:lnRef>
+          <a:fillRef idx="0">
+            <a:scrgbClr r="0" g="0" b="0"/>
+          </a:fillRef>
+          <a:effectRef idx="0">
+            <a:scrgbClr r="0" g="0" b="0"/>
+          </a:effectRef>
+          <a:fontRef idx="minor">
+            <a:schemeClr val="dk1"/>
+          </a:fontRef>
+        </p:style>
+        <p:txBody>
+          <a:bodyPr rtlCol="0" anchor="ctr"/>
+          <a:lstStyle/>
+          <a:p>
+            <a:pPr algn="ctr"/>
+            <a:endParaRPr lang="en-US">
+              <a:solidFill>
+                <a:srgbClr val="FF0000"/>
+              </a:solidFill>
+            </a:endParaRPr>
+          </a:p>
+        </p:txBody>
+      </p:sp>
+      <p:sp>
+        <p:nvSpPr>
+          <p:cNvPr id="10" name="Rectangle 9">
+            <a:extLst>
+              <a:ext uri="{FF2B5EF4-FFF2-40B4-BE49-F238E27FC236}">
+                <a16:creationId xmlns:a16="http://schemas.microsoft.com/office/drawing/2014/main" id="{60FF4ADE-14CD-AAD2-DBB7-E462F2FDFA27}"/>
+              </a:ext>
+            </a:extLst>
+          </p:cNvPr>
+          <p:cNvSpPr/>
+          <p:nvPr/>
+        </p:nvSpPr>
+        <p:spPr>
+          <a:xfrm>
+            <a:off x="6295074" y="3850198"/>
+            <a:ext cx="330442" cy="616295"/>
+          </a:xfrm>
+          <a:prstGeom prst="rect">
+            <a:avLst/>
+          </a:prstGeom>
+          <a:solidFill>
+            <a:srgbClr val="FF0000"/>
+          </a:solidFill>
+          <a:ln w="9525" cap="flat" cmpd="sng" algn="ctr">
+            <a:solidFill>
+              <a:schemeClr val="dk1"/>
+            </a:solidFill>
+            <a:prstDash val="solid"/>
+            <a:round/>
+            <a:headEnd type="none" w="med" len="med"/>
+            <a:tailEnd type="none" w="med" len="med"/>
+          </a:ln>
+        </p:spPr>
+        <p:style>
+          <a:lnRef idx="0">
+            <a:scrgbClr r="0" g="0" b="0"/>
+          </a:lnRef>
+          <a:fillRef idx="0">
+            <a:scrgbClr r="0" g="0" b="0"/>
+          </a:fillRef>
+          <a:effectRef idx="0">
+            <a:scrgbClr r="0" g="0" b="0"/>
+          </a:effectRef>
+          <a:fontRef idx="minor">
+            <a:schemeClr val="dk1"/>
+          </a:fontRef>
+        </p:style>
+        <p:txBody>
+          <a:bodyPr rtlCol="0" anchor="ctr"/>
+          <a:lstStyle/>
+          <a:p>
+            <a:pPr algn="ctr"/>
+            <a:endParaRPr lang="en-US">
+              <a:solidFill>
+                <a:srgbClr val="FF0000"/>
+              </a:solidFill>
+            </a:endParaRPr>
+          </a:p>
+        </p:txBody>
+      </p:sp>
+      <p:sp>
+        <p:nvSpPr>
+          <p:cNvPr id="11" name="Rectangle 10">
+            <a:extLst>
+              <a:ext uri="{FF2B5EF4-FFF2-40B4-BE49-F238E27FC236}">
+                <a16:creationId xmlns:a16="http://schemas.microsoft.com/office/drawing/2014/main" id="{4F8B2AC1-0A91-0B39-8FBD-C99B5A4F82DE}"/>
+              </a:ext>
+            </a:extLst>
+          </p:cNvPr>
+          <p:cNvSpPr/>
+          <p:nvPr/>
+        </p:nvSpPr>
+        <p:spPr>
+          <a:xfrm>
+            <a:off x="6339842" y="5321191"/>
+            <a:ext cx="330442" cy="616295"/>
+          </a:xfrm>
+          <a:prstGeom prst="rect">
+            <a:avLst/>
+          </a:prstGeom>
+          <a:solidFill>
+            <a:srgbClr val="FF0000"/>
+          </a:solidFill>
+          <a:ln w="9525" cap="flat" cmpd="sng" algn="ctr">
+            <a:solidFill>
+              <a:schemeClr val="dk1"/>
+            </a:solidFill>
+            <a:prstDash val="solid"/>
+            <a:round/>
+            <a:headEnd type="none" w="med" len="med"/>
+            <a:tailEnd type="none" w="med" len="med"/>
+          </a:ln>
+        </p:spPr>
+        <p:style>
+          <a:lnRef idx="0">
+            <a:scrgbClr r="0" g="0" b="0"/>
+          </a:lnRef>
+          <a:fillRef idx="0">
+            <a:scrgbClr r="0" g="0" b="0"/>
+          </a:fillRef>
+          <a:effectRef idx="0">
+            <a:scrgbClr r="0" g="0" b="0"/>
+          </a:effectRef>
+          <a:fontRef idx="minor">
+            <a:schemeClr val="dk1"/>
+          </a:fontRef>
+        </p:style>
+        <p:txBody>
+          <a:bodyPr rtlCol="0" anchor="ctr"/>
+          <a:lstStyle/>
+          <a:p>
+            <a:pPr algn="ctr"/>
+            <a:endParaRPr lang="en-US" dirty="0">
+              <a:solidFill>
+                <a:srgbClr val="FF0000"/>
+              </a:solidFill>
+            </a:endParaRPr>
+          </a:p>
+        </p:txBody>
+      </p:sp>
+      <p:sp>
+        <p:nvSpPr>
+          <p:cNvPr id="12" name="Rectangle 11">
+            <a:extLst>
+              <a:ext uri="{FF2B5EF4-FFF2-40B4-BE49-F238E27FC236}">
+                <a16:creationId xmlns:a16="http://schemas.microsoft.com/office/drawing/2014/main" id="{E64826D9-32A1-5E62-5DC8-C12B2B40C412}"/>
+              </a:ext>
+            </a:extLst>
+          </p:cNvPr>
+          <p:cNvSpPr/>
+          <p:nvPr/>
+        </p:nvSpPr>
+        <p:spPr>
+          <a:xfrm>
+            <a:off x="5566486" y="5321191"/>
+            <a:ext cx="330442" cy="616295"/>
+          </a:xfrm>
+          <a:prstGeom prst="rect">
+            <a:avLst/>
+          </a:prstGeom>
+          <a:solidFill>
+            <a:srgbClr val="FF0000"/>
+          </a:solidFill>
+          <a:ln w="9525" cap="flat" cmpd="sng" algn="ctr">
+            <a:solidFill>
+              <a:schemeClr val="dk1"/>
+            </a:solidFill>
+            <a:prstDash val="solid"/>
+            <a:round/>
+            <a:headEnd type="none" w="med" len="med"/>
+            <a:tailEnd type="none" w="med" len="med"/>
+          </a:ln>
+        </p:spPr>
+        <p:style>
+          <a:lnRef idx="0">
+            <a:scrgbClr r="0" g="0" b="0"/>
+          </a:lnRef>
+          <a:fillRef idx="0">
+            <a:scrgbClr r="0" g="0" b="0"/>
+          </a:fillRef>
+          <a:effectRef idx="0">
+            <a:scrgbClr r="0" g="0" b="0"/>
+          </a:effectRef>
+          <a:fontRef idx="minor">
+            <a:schemeClr val="dk1"/>
+          </a:fontRef>
+        </p:style>
+        <p:txBody>
+          <a:bodyPr rtlCol="0" anchor="ctr"/>
+          <a:lstStyle/>
+          <a:p>
+            <a:pPr algn="ctr"/>
+            <a:endParaRPr lang="en-US" dirty="0">
+              <a:solidFill>
+                <a:srgbClr val="FF0000"/>
+              </a:solidFill>
+            </a:endParaRPr>
+          </a:p>
+        </p:txBody>
+      </p:sp>
+      <p:sp>
+        <p:nvSpPr>
+          <p:cNvPr id="13" name="Rectangle 12">
+            <a:extLst>
+              <a:ext uri="{FF2B5EF4-FFF2-40B4-BE49-F238E27FC236}">
+                <a16:creationId xmlns:a16="http://schemas.microsoft.com/office/drawing/2014/main" id="{77D685B5-1D50-4197-FEC4-8F8D8DD19A6A}"/>
+              </a:ext>
+            </a:extLst>
+          </p:cNvPr>
+          <p:cNvSpPr/>
+          <p:nvPr/>
+        </p:nvSpPr>
+        <p:spPr>
+          <a:xfrm rot="20946528">
+            <a:off x="6680763" y="1373782"/>
+            <a:ext cx="330442" cy="616295"/>
+          </a:xfrm>
+          <a:prstGeom prst="rect">
+            <a:avLst/>
+          </a:prstGeom>
+          <a:solidFill>
+            <a:srgbClr val="FF0000"/>
+          </a:solidFill>
+          <a:ln w="9525" cap="flat" cmpd="sng" algn="ctr">
+            <a:solidFill>
+              <a:schemeClr val="dk1"/>
+            </a:solidFill>
+            <a:prstDash val="solid"/>
+            <a:round/>
+            <a:headEnd type="none" w="med" len="med"/>
+            <a:tailEnd type="none" w="med" len="med"/>
+          </a:ln>
+        </p:spPr>
+        <p:style>
+          <a:lnRef idx="0">
+            <a:scrgbClr r="0" g="0" b="0"/>
+          </a:lnRef>
+          <a:fillRef idx="0">
+            <a:scrgbClr r="0" g="0" b="0"/>
+          </a:fillRef>
+          <a:effectRef idx="0">
+            <a:scrgbClr r="0" g="0" b="0"/>
+          </a:effectRef>
+          <a:fontRef idx="minor">
+            <a:schemeClr val="dk1"/>
+          </a:fontRef>
+        </p:style>
+        <p:txBody>
+          <a:bodyPr rtlCol="0" anchor="ctr"/>
+          <a:lstStyle/>
+          <a:p>
+            <a:pPr algn="ctr"/>
+            <a:endParaRPr lang="en-US">
+              <a:solidFill>
+                <a:srgbClr val="FF0000"/>
+              </a:solidFill>
+            </a:endParaRPr>
+          </a:p>
+        </p:txBody>
+      </p:sp>
+      <p:sp>
+        <p:nvSpPr>
+          <p:cNvPr id="14" name="Rectangle 13">
+            <a:extLst>
+              <a:ext uri="{FF2B5EF4-FFF2-40B4-BE49-F238E27FC236}">
+                <a16:creationId xmlns:a16="http://schemas.microsoft.com/office/drawing/2014/main" id="{FE725593-D655-9E3C-B5F1-1F471BD739C0}"/>
+              </a:ext>
+            </a:extLst>
+          </p:cNvPr>
+          <p:cNvSpPr/>
+          <p:nvPr/>
+        </p:nvSpPr>
+        <p:spPr>
+          <a:xfrm rot="20946528">
+            <a:off x="6857213" y="2495134"/>
+            <a:ext cx="330442" cy="616295"/>
+          </a:xfrm>
+          <a:prstGeom prst="rect">
+            <a:avLst/>
+          </a:prstGeom>
+          <a:solidFill>
+            <a:srgbClr val="FF0000"/>
+          </a:solidFill>
+          <a:ln w="9525" cap="flat" cmpd="sng" algn="ctr">
+            <a:solidFill>
+              <a:schemeClr val="dk1"/>
+            </a:solidFill>
+            <a:prstDash val="solid"/>
+            <a:round/>
+            <a:headEnd type="none" w="med" len="med"/>
+            <a:tailEnd type="none" w="med" len="med"/>
+          </a:ln>
+        </p:spPr>
+        <p:style>
+          <a:lnRef idx="0">
+            <a:scrgbClr r="0" g="0" b="0"/>
+          </a:lnRef>
+          <a:fillRef idx="0">
+            <a:scrgbClr r="0" g="0" b="0"/>
+          </a:fillRef>
+          <a:effectRef idx="0">
+            <a:scrgbClr r="0" g="0" b="0"/>
+          </a:effectRef>
+          <a:fontRef idx="minor">
+            <a:schemeClr val="dk1"/>
+          </a:fontRef>
+        </p:style>
+        <p:txBody>
+          <a:bodyPr rtlCol="0" anchor="ctr"/>
+          <a:lstStyle/>
+          <a:p>
+            <a:pPr algn="ctr"/>
+            <a:endParaRPr lang="en-US">
+              <a:solidFill>
+                <a:srgbClr val="FF0000"/>
+              </a:solidFill>
+            </a:endParaRPr>
+          </a:p>
+        </p:txBody>
+      </p:sp>
+      <p:sp>
+        <p:nvSpPr>
+          <p:cNvPr id="15" name="Rectangle 14">
+            <a:extLst>
+              <a:ext uri="{FF2B5EF4-FFF2-40B4-BE49-F238E27FC236}">
+                <a16:creationId xmlns:a16="http://schemas.microsoft.com/office/drawing/2014/main" id="{288C912A-27FA-869D-F730-38F7AC1A41DC}"/>
+              </a:ext>
+            </a:extLst>
+          </p:cNvPr>
+          <p:cNvSpPr/>
+          <p:nvPr/>
+        </p:nvSpPr>
+        <p:spPr>
+          <a:xfrm rot="20946528">
+            <a:off x="7114471" y="3549603"/>
+            <a:ext cx="267850" cy="356806"/>
+          </a:xfrm>
+          <a:prstGeom prst="rect">
+            <a:avLst/>
+          </a:prstGeom>
+          <a:solidFill>
+            <a:srgbClr val="FF0000"/>
+          </a:solidFill>
+          <a:ln w="9525" cap="flat" cmpd="sng" algn="ctr">
+            <a:solidFill>
+              <a:schemeClr val="dk1"/>
+            </a:solidFill>
+            <a:prstDash val="solid"/>
+            <a:round/>
+            <a:headEnd type="none" w="med" len="med"/>
+            <a:tailEnd type="none" w="med" len="med"/>
+          </a:ln>
+        </p:spPr>
+        <p:style>
+          <a:lnRef idx="0">
+            <a:scrgbClr r="0" g="0" b="0"/>
+          </a:lnRef>
+          <a:fillRef idx="0">
+            <a:scrgbClr r="0" g="0" b="0"/>
+          </a:fillRef>
+          <a:effectRef idx="0">
+            <a:scrgbClr r="0" g="0" b="0"/>
+          </a:effectRef>
+          <a:fontRef idx="minor">
+            <a:schemeClr val="dk1"/>
+          </a:fontRef>
+        </p:style>
+        <p:txBody>
+          <a:bodyPr rtlCol="0" anchor="ctr"/>
+          <a:lstStyle/>
+          <a:p>
+            <a:pPr algn="ctr"/>
+            <a:endParaRPr lang="en-US">
+              <a:solidFill>
+                <a:srgbClr val="FF0000"/>
+              </a:solidFill>
+            </a:endParaRPr>
+          </a:p>
+        </p:txBody>
+      </p:sp>
+      <p:sp>
+        <p:nvSpPr>
+          <p:cNvPr id="16" name="Rectangle 15">
+            <a:extLst>
+              <a:ext uri="{FF2B5EF4-FFF2-40B4-BE49-F238E27FC236}">
+                <a16:creationId xmlns:a16="http://schemas.microsoft.com/office/drawing/2014/main" id="{441EE093-641D-2639-405C-2AECC92A18C4}"/>
+              </a:ext>
+            </a:extLst>
+          </p:cNvPr>
+          <p:cNvSpPr/>
+          <p:nvPr/>
+        </p:nvSpPr>
+        <p:spPr>
+          <a:xfrm rot="797786">
+            <a:off x="4774071" y="3455017"/>
+            <a:ext cx="267850" cy="356806"/>
+          </a:xfrm>
+          <a:prstGeom prst="rect">
+            <a:avLst/>
+          </a:prstGeom>
+          <a:solidFill>
+            <a:srgbClr val="FF0000"/>
+          </a:solidFill>
+          <a:ln w="9525" cap="flat" cmpd="sng" algn="ctr">
+            <a:solidFill>
+              <a:schemeClr val="dk1"/>
+            </a:solidFill>
+            <a:prstDash val="solid"/>
+            <a:round/>
+            <a:headEnd type="none" w="med" len="med"/>
+            <a:tailEnd type="none" w="med" len="med"/>
+          </a:ln>
+        </p:spPr>
+        <p:style>
+          <a:lnRef idx="0">
+            <a:scrgbClr r="0" g="0" b="0"/>
+          </a:lnRef>
+          <a:fillRef idx="0">
+            <a:scrgbClr r="0" g="0" b="0"/>
+          </a:fillRef>
+          <a:effectRef idx="0">
+            <a:scrgbClr r="0" g="0" b="0"/>
+          </a:effectRef>
+          <a:fontRef idx="minor">
+            <a:schemeClr val="dk1"/>
+          </a:fontRef>
+        </p:style>
+        <p:txBody>
+          <a:bodyPr rtlCol="0" anchor="ctr"/>
+          <a:lstStyle/>
+          <a:p>
+            <a:pPr algn="ctr"/>
+            <a:endParaRPr lang="en-US">
+              <a:solidFill>
+                <a:srgbClr val="FF0000"/>
+              </a:solidFill>
+            </a:endParaRPr>
+          </a:p>
+        </p:txBody>
+      </p:sp>
+      <p:sp>
+        <p:nvSpPr>
+          <p:cNvPr id="17" name="Rectangle 16">
+            <a:extLst>
+              <a:ext uri="{FF2B5EF4-FFF2-40B4-BE49-F238E27FC236}">
+                <a16:creationId xmlns:a16="http://schemas.microsoft.com/office/drawing/2014/main" id="{9B48E958-FF32-ABAF-AAA9-7C4120F2C998}"/>
+              </a:ext>
+            </a:extLst>
+          </p:cNvPr>
+          <p:cNvSpPr/>
+          <p:nvPr/>
+        </p:nvSpPr>
+        <p:spPr>
+          <a:xfrm rot="797786">
+            <a:off x="5662796" y="6448960"/>
+            <a:ext cx="333207" cy="287151"/>
+          </a:xfrm>
+          <a:prstGeom prst="rect">
+            <a:avLst/>
+          </a:prstGeom>
+          <a:solidFill>
+            <a:srgbClr val="FF0000"/>
+          </a:solidFill>
+          <a:ln w="9525" cap="flat" cmpd="sng" algn="ctr">
+            <a:solidFill>
+              <a:schemeClr val="dk1"/>
+            </a:solidFill>
+            <a:prstDash val="solid"/>
+            <a:round/>
+            <a:headEnd type="none" w="med" len="med"/>
+            <a:tailEnd type="none" w="med" len="med"/>
+          </a:ln>
+        </p:spPr>
+        <p:style>
+          <a:lnRef idx="0">
+            <a:scrgbClr r="0" g="0" b="0"/>
+          </a:lnRef>
+          <a:fillRef idx="0">
+            <a:scrgbClr r="0" g="0" b="0"/>
+          </a:fillRef>
+          <a:effectRef idx="0">
+            <a:scrgbClr r="0" g="0" b="0"/>
+          </a:effectRef>
+          <a:fontRef idx="minor">
+            <a:schemeClr val="dk1"/>
+          </a:fontRef>
+        </p:style>
+        <p:txBody>
+          <a:bodyPr rtlCol="0" anchor="ctr"/>
+          <a:lstStyle/>
+          <a:p>
+            <a:pPr algn="ctr"/>
+            <a:endParaRPr lang="en-US">
+              <a:solidFill>
+                <a:srgbClr val="FF0000"/>
+              </a:solidFill>
+            </a:endParaRPr>
+          </a:p>
+        </p:txBody>
+      </p:sp>
+      <p:sp>
+        <p:nvSpPr>
+          <p:cNvPr id="18" name="Rectangle 17">
+            <a:extLst>
+              <a:ext uri="{FF2B5EF4-FFF2-40B4-BE49-F238E27FC236}">
+                <a16:creationId xmlns:a16="http://schemas.microsoft.com/office/drawing/2014/main" id="{A93802AF-0AD6-7E04-87FE-EF47D1198D76}"/>
+              </a:ext>
+            </a:extLst>
+          </p:cNvPr>
+          <p:cNvSpPr/>
+          <p:nvPr/>
+        </p:nvSpPr>
+        <p:spPr>
+          <a:xfrm rot="21077033">
+            <a:off x="6185842" y="6475354"/>
+            <a:ext cx="333207" cy="287151"/>
+          </a:xfrm>
+          <a:prstGeom prst="rect">
+            <a:avLst/>
+          </a:prstGeom>
+          <a:solidFill>
+            <a:srgbClr val="FF0000"/>
+          </a:solidFill>
+          <a:ln w="9525" cap="flat" cmpd="sng" algn="ctr">
+            <a:solidFill>
+              <a:schemeClr val="dk1"/>
+            </a:solidFill>
+            <a:prstDash val="solid"/>
+            <a:round/>
+            <a:headEnd type="none" w="med" len="med"/>
+            <a:tailEnd type="none" w="med" len="med"/>
+          </a:ln>
+        </p:spPr>
+        <p:style>
+          <a:lnRef idx="0">
+            <a:scrgbClr r="0" g="0" b="0"/>
+          </a:lnRef>
+          <a:fillRef idx="0">
+            <a:scrgbClr r="0" g="0" b="0"/>
+          </a:fillRef>
+          <a:effectRef idx="0">
+            <a:scrgbClr r="0" g="0" b="0"/>
+          </a:effectRef>
+          <a:fontRef idx="minor">
+            <a:schemeClr val="dk1"/>
+          </a:fontRef>
+        </p:style>
+        <p:txBody>
+          <a:bodyPr rtlCol="0" anchor="ctr"/>
+          <a:lstStyle/>
+          <a:p>
+            <a:pPr algn="ctr"/>
+            <a:endParaRPr lang="en-US">
+              <a:solidFill>
+                <a:srgbClr val="FF0000"/>
+              </a:solidFill>
+            </a:endParaRPr>
+          </a:p>
+        </p:txBody>
+      </p:sp>
+      <p:sp>
+        <p:nvSpPr>
+          <p:cNvPr id="19" name="Rectangle 18">
+            <a:extLst>
+              <a:ext uri="{FF2B5EF4-FFF2-40B4-BE49-F238E27FC236}">
+                <a16:creationId xmlns:a16="http://schemas.microsoft.com/office/drawing/2014/main" id="{15540A6E-E36E-D567-9098-2F99CDE6047C}"/>
+              </a:ext>
+            </a:extLst>
+          </p:cNvPr>
+          <p:cNvSpPr/>
+          <p:nvPr/>
+        </p:nvSpPr>
+        <p:spPr>
+          <a:xfrm>
+            <a:off x="5962074" y="187668"/>
+            <a:ext cx="267850" cy="356806"/>
+          </a:xfrm>
+          <a:prstGeom prst="rect">
+            <a:avLst/>
+          </a:prstGeom>
+          <a:solidFill>
+            <a:srgbClr val="FF0000"/>
+          </a:solidFill>
+          <a:ln w="9525" cap="flat" cmpd="sng" algn="ctr">
+            <a:solidFill>
+              <a:schemeClr val="dk1"/>
+            </a:solidFill>
+            <a:prstDash val="solid"/>
+            <a:round/>
+            <a:headEnd type="none" w="med" len="med"/>
+            <a:tailEnd type="none" w="med" len="med"/>
+          </a:ln>
+        </p:spPr>
+        <p:style>
+          <a:lnRef idx="0">
+            <a:scrgbClr r="0" g="0" b="0"/>
+          </a:lnRef>
+          <a:fillRef idx="0">
+            <a:scrgbClr r="0" g="0" b="0"/>
+          </a:fillRef>
+          <a:effectRef idx="0">
+            <a:scrgbClr r="0" g="0" b="0"/>
+          </a:effectRef>
+          <a:fontRef idx="minor">
+            <a:schemeClr val="dk1"/>
+          </a:fontRef>
+        </p:style>
+        <p:txBody>
+          <a:bodyPr rtlCol="0" anchor="ctr"/>
+          <a:lstStyle/>
+          <a:p>
+            <a:pPr algn="ctr"/>
+            <a:endParaRPr lang="en-US">
+              <a:solidFill>
+                <a:srgbClr val="FF0000"/>
+              </a:solidFill>
+            </a:endParaRPr>
+          </a:p>
+        </p:txBody>
+      </p:sp>
+      <p:sp>
+        <p:nvSpPr>
+          <p:cNvPr id="20" name="Rectangle 19">
+            <a:extLst>
+              <a:ext uri="{FF2B5EF4-FFF2-40B4-BE49-F238E27FC236}">
+                <a16:creationId xmlns:a16="http://schemas.microsoft.com/office/drawing/2014/main" id="{6763BB39-9986-DB14-0184-F48FE1EDDF40}"/>
+              </a:ext>
+            </a:extLst>
+          </p:cNvPr>
+          <p:cNvSpPr/>
+          <p:nvPr/>
+        </p:nvSpPr>
+        <p:spPr>
+          <a:xfrm>
+            <a:off x="5783552" y="2959352"/>
+            <a:ext cx="609072" cy="334329"/>
+          </a:xfrm>
+          <a:prstGeom prst="rect">
+            <a:avLst/>
+          </a:prstGeom>
+          <a:solidFill>
+            <a:srgbClr val="FF0000"/>
+          </a:solidFill>
+          <a:ln w="9525" cap="flat" cmpd="sng" algn="ctr">
+            <a:solidFill>
+              <a:schemeClr val="dk1"/>
+            </a:solidFill>
+            <a:prstDash val="solid"/>
+            <a:round/>
+            <a:headEnd type="none" w="med" len="med"/>
+            <a:tailEnd type="none" w="med" len="med"/>
+          </a:ln>
+        </p:spPr>
+        <p:style>
+          <a:lnRef idx="0">
+            <a:scrgbClr r="0" g="0" b="0"/>
+          </a:lnRef>
+          <a:fillRef idx="0">
+            <a:scrgbClr r="0" g="0" b="0"/>
+          </a:fillRef>
+          <a:effectRef idx="0">
+            <a:scrgbClr r="0" g="0" b="0"/>
+          </a:effectRef>
+          <a:fontRef idx="minor">
+            <a:schemeClr val="dk1"/>
+          </a:fontRef>
+        </p:style>
+        <p:txBody>
+          <a:bodyPr rtlCol="0" anchor="ctr"/>
+          <a:lstStyle/>
+          <a:p>
+            <a:pPr algn="ctr"/>
+            <a:endParaRPr lang="en-US">
+              <a:solidFill>
+                <a:srgbClr val="FF0000"/>
+              </a:solidFill>
+            </a:endParaRPr>
+          </a:p>
+        </p:txBody>
+      </p:sp>
+      <p:sp>
+        <p:nvSpPr>
+          <p:cNvPr id="21" name="Rectangle 20">
+            <a:extLst>
+              <a:ext uri="{FF2B5EF4-FFF2-40B4-BE49-F238E27FC236}">
+                <a16:creationId xmlns:a16="http://schemas.microsoft.com/office/drawing/2014/main" id="{FE0F0D63-3353-CBCD-96A0-314A4BFC321B}"/>
+              </a:ext>
+            </a:extLst>
+          </p:cNvPr>
+          <p:cNvSpPr/>
+          <p:nvPr/>
+        </p:nvSpPr>
+        <p:spPr>
+          <a:xfrm>
+            <a:off x="5775376" y="1347600"/>
+            <a:ext cx="609072" cy="334329"/>
+          </a:xfrm>
+          <a:prstGeom prst="rect">
+            <a:avLst/>
+          </a:prstGeom>
+          <a:solidFill>
+            <a:srgbClr val="FF0000"/>
+          </a:solidFill>
+          <a:ln w="9525" cap="flat" cmpd="sng" algn="ctr">
+            <a:solidFill>
+              <a:schemeClr val="dk1"/>
+            </a:solidFill>
+            <a:prstDash val="solid"/>
+            <a:round/>
+            <a:headEnd type="none" w="med" len="med"/>
+            <a:tailEnd type="none" w="med" len="med"/>
+          </a:ln>
+        </p:spPr>
+        <p:style>
+          <a:lnRef idx="0">
+            <a:scrgbClr r="0" g="0" b="0"/>
+          </a:lnRef>
+          <a:fillRef idx="0">
+            <a:scrgbClr r="0" g="0" b="0"/>
+          </a:fillRef>
+          <a:effectRef idx="0">
+            <a:scrgbClr r="0" g="0" b="0"/>
+          </a:effectRef>
+          <a:fontRef idx="minor">
+            <a:schemeClr val="dk1"/>
+          </a:fontRef>
+        </p:style>
+        <p:txBody>
+          <a:bodyPr rtlCol="0" anchor="ctr"/>
+          <a:lstStyle/>
+          <a:p>
+            <a:pPr algn="ctr"/>
+            <a:endParaRPr lang="en-US">
+              <a:solidFill>
+                <a:srgbClr val="FF0000"/>
+              </a:solidFill>
+            </a:endParaRPr>
+          </a:p>
+        </p:txBody>
+      </p:sp>
+      <p:sp>
+        <p:nvSpPr>
+          <p:cNvPr id="2" name="Rectangle 1">
+            <a:extLst>
+              <a:ext uri="{FF2B5EF4-FFF2-40B4-BE49-F238E27FC236}">
+                <a16:creationId xmlns:a16="http://schemas.microsoft.com/office/drawing/2014/main" id="{BF8E9B2F-EC9C-2DD9-08A2-ECC2B94525C8}"/>
+              </a:ext>
+            </a:extLst>
+          </p:cNvPr>
+          <p:cNvSpPr/>
+          <p:nvPr/>
+        </p:nvSpPr>
+        <p:spPr>
           <a:xfrm rot="1170601">
-            <a:off x="4727579" y="2451526"/>
+            <a:off x="4867475" y="2492180"/>
             <a:ext cx="157316" cy="1268672"/>
           </a:xfrm>
           <a:prstGeom prst="rect">
@@ -4489,8 +6695,8 @@
           <p:nvPr/>
         </p:nvSpPr>
         <p:spPr>
-          <a:xfrm rot="20476582">
-            <a:off x="7452182" y="2421709"/>
+          <a:xfrm rot="20881853">
+            <a:off x="7144904" y="2462362"/>
             <a:ext cx="147982" cy="1328307"/>
           </a:xfrm>
           <a:prstGeom prst="rect">
@@ -4536,7 +6742,7 @@
         </p:nvSpPr>
         <p:spPr>
           <a:xfrm>
-            <a:off x="6670284" y="5442941"/>
+            <a:off x="6390901" y="5319453"/>
             <a:ext cx="147982" cy="1328307"/>
           </a:xfrm>
           <a:prstGeom prst="rect">
@@ -4582,7 +6788,7 @@
         </p:nvSpPr>
         <p:spPr>
           <a:xfrm>
-            <a:off x="5273788" y="5375948"/>
+            <a:off x="5681417" y="5342271"/>
             <a:ext cx="147982" cy="1328307"/>
           </a:xfrm>
           <a:prstGeom prst="rect">
@@ -4672,8 +6878,8 @@
         </p:nvSpPr>
         <p:spPr>
           <a:xfrm rot="355891">
-            <a:off x="6463669" y="1657055"/>
-            <a:ext cx="170593" cy="2412122"/>
+            <a:off x="6535742" y="1444820"/>
+            <a:ext cx="138582" cy="2698958"/>
           </a:xfrm>
           <a:prstGeom prst="rect">
             <a:avLst/>
@@ -4716,8 +6922,8 @@
         </p:nvSpPr>
         <p:spPr>
           <a:xfrm rot="4666895">
-            <a:off x="5583457" y="1043621"/>
-            <a:ext cx="180904" cy="1154657"/>
+            <a:off x="5693480" y="1098024"/>
+            <a:ext cx="134975" cy="1071064"/>
           </a:xfrm>
           <a:prstGeom prst="rect">
             <a:avLst/>
@@ -4760,8 +6966,8 @@
         </p:nvSpPr>
         <p:spPr>
           <a:xfrm>
-            <a:off x="6031479" y="321904"/>
-            <a:ext cx="134529" cy="1073149"/>
+            <a:off x="5988865" y="375281"/>
+            <a:ext cx="198445" cy="601734"/>
           </a:xfrm>
           <a:prstGeom prst="rect">
             <a:avLst/>
@@ -4792,868 +6998,6 @@
       </p:sp>
       <p:sp>
         <p:nvSpPr>
-          <p:cNvPr id="4" name="Freeform: Shape 3">
-            <a:extLst>
-              <a:ext uri="{FF2B5EF4-FFF2-40B4-BE49-F238E27FC236}">
-                <a16:creationId xmlns:a16="http://schemas.microsoft.com/office/drawing/2014/main" id="{89F3652B-2FED-F7D3-C6F3-8C307DEF3CAF}"/>
-              </a:ext>
-            </a:extLst>
-          </p:cNvPr>
-          <p:cNvSpPr/>
-          <p:nvPr/>
-        </p:nvSpPr>
-        <p:spPr>
-          <a:xfrm>
-            <a:off x="4345427" y="1209822"/>
-            <a:ext cx="2083508" cy="2897944"/>
-          </a:xfrm>
-          <a:custGeom>
-            <a:avLst/>
-            <a:gdLst>
-              <a:gd name="connsiteX0" fmla="*/ 775213 w 2083508"/>
-              <a:gd name="connsiteY0" fmla="*/ 295421 h 2897944"/>
-              <a:gd name="connsiteX1" fmla="*/ 718942 w 2083508"/>
-              <a:gd name="connsiteY1" fmla="*/ 365760 h 2897944"/>
-              <a:gd name="connsiteX2" fmla="*/ 564198 w 2083508"/>
-              <a:gd name="connsiteY2" fmla="*/ 506436 h 2897944"/>
-              <a:gd name="connsiteX3" fmla="*/ 536062 w 2083508"/>
-              <a:gd name="connsiteY3" fmla="*/ 562707 h 2897944"/>
-              <a:gd name="connsiteX4" fmla="*/ 437588 w 2083508"/>
-              <a:gd name="connsiteY4" fmla="*/ 745587 h 2897944"/>
-              <a:gd name="connsiteX5" fmla="*/ 423521 w 2083508"/>
-              <a:gd name="connsiteY5" fmla="*/ 829993 h 2897944"/>
-              <a:gd name="connsiteX6" fmla="*/ 395385 w 2083508"/>
-              <a:gd name="connsiteY6" fmla="*/ 914400 h 2897944"/>
-              <a:gd name="connsiteX7" fmla="*/ 381318 w 2083508"/>
-              <a:gd name="connsiteY7" fmla="*/ 1055076 h 2897944"/>
-              <a:gd name="connsiteX8" fmla="*/ 268776 w 2083508"/>
-              <a:gd name="connsiteY8" fmla="*/ 1223889 h 2897944"/>
-              <a:gd name="connsiteX9" fmla="*/ 212505 w 2083508"/>
-              <a:gd name="connsiteY9" fmla="*/ 1322363 h 2897944"/>
-              <a:gd name="connsiteX10" fmla="*/ 156235 w 2083508"/>
-              <a:gd name="connsiteY10" fmla="*/ 1406769 h 2897944"/>
-              <a:gd name="connsiteX11" fmla="*/ 128099 w 2083508"/>
-              <a:gd name="connsiteY11" fmla="*/ 1589649 h 2897944"/>
-              <a:gd name="connsiteX12" fmla="*/ 114031 w 2083508"/>
-              <a:gd name="connsiteY12" fmla="*/ 1659987 h 2897944"/>
-              <a:gd name="connsiteX13" fmla="*/ 99964 w 2083508"/>
-              <a:gd name="connsiteY13" fmla="*/ 1828800 h 2897944"/>
-              <a:gd name="connsiteX14" fmla="*/ 57761 w 2083508"/>
-              <a:gd name="connsiteY14" fmla="*/ 1913206 h 2897944"/>
-              <a:gd name="connsiteX15" fmla="*/ 15558 w 2083508"/>
-              <a:gd name="connsiteY15" fmla="*/ 2025747 h 2897944"/>
-              <a:gd name="connsiteX16" fmla="*/ 1490 w 2083508"/>
-              <a:gd name="connsiteY16" fmla="*/ 2110153 h 2897944"/>
-              <a:gd name="connsiteX17" fmla="*/ 15558 w 2083508"/>
-              <a:gd name="connsiteY17" fmla="*/ 2630658 h 2897944"/>
-              <a:gd name="connsiteX18" fmla="*/ 99964 w 2083508"/>
-              <a:gd name="connsiteY18" fmla="*/ 2729132 h 2897944"/>
-              <a:gd name="connsiteX19" fmla="*/ 156235 w 2083508"/>
-              <a:gd name="connsiteY19" fmla="*/ 2785403 h 2897944"/>
-              <a:gd name="connsiteX20" fmla="*/ 226573 w 2083508"/>
-              <a:gd name="connsiteY20" fmla="*/ 2827606 h 2897944"/>
-              <a:gd name="connsiteX21" fmla="*/ 395385 w 2083508"/>
-              <a:gd name="connsiteY21" fmla="*/ 2897944 h 2897944"/>
-              <a:gd name="connsiteX22" fmla="*/ 789281 w 2083508"/>
-              <a:gd name="connsiteY22" fmla="*/ 2883876 h 2897944"/>
-              <a:gd name="connsiteX23" fmla="*/ 845551 w 2083508"/>
-              <a:gd name="connsiteY23" fmla="*/ 2841673 h 2897944"/>
-              <a:gd name="connsiteX24" fmla="*/ 1028431 w 2083508"/>
-              <a:gd name="connsiteY24" fmla="*/ 2715064 h 2897944"/>
-              <a:gd name="connsiteX25" fmla="*/ 1056567 w 2083508"/>
-              <a:gd name="connsiteY25" fmla="*/ 2658793 h 2897944"/>
-              <a:gd name="connsiteX26" fmla="*/ 1098770 w 2083508"/>
-              <a:gd name="connsiteY26" fmla="*/ 2588455 h 2897944"/>
-              <a:gd name="connsiteX27" fmla="*/ 1126905 w 2083508"/>
-              <a:gd name="connsiteY27" fmla="*/ 2349304 h 2897944"/>
-              <a:gd name="connsiteX28" fmla="*/ 1140973 w 2083508"/>
-              <a:gd name="connsiteY28" fmla="*/ 2011680 h 2897944"/>
-              <a:gd name="connsiteX29" fmla="*/ 1197244 w 2083508"/>
-              <a:gd name="connsiteY29" fmla="*/ 1800664 h 2897944"/>
-              <a:gd name="connsiteX30" fmla="*/ 1239447 w 2083508"/>
-              <a:gd name="connsiteY30" fmla="*/ 1575581 h 2897944"/>
-              <a:gd name="connsiteX31" fmla="*/ 1253515 w 2083508"/>
-              <a:gd name="connsiteY31" fmla="*/ 1505243 h 2897944"/>
-              <a:gd name="connsiteX32" fmla="*/ 1267582 w 2083508"/>
-              <a:gd name="connsiteY32" fmla="*/ 844061 h 2897944"/>
-              <a:gd name="connsiteX33" fmla="*/ 1422327 w 2083508"/>
-              <a:gd name="connsiteY33" fmla="*/ 703384 h 2897944"/>
-              <a:gd name="connsiteX34" fmla="*/ 1506733 w 2083508"/>
-              <a:gd name="connsiteY34" fmla="*/ 675249 h 2897944"/>
-              <a:gd name="connsiteX35" fmla="*/ 1577071 w 2083508"/>
-              <a:gd name="connsiteY35" fmla="*/ 647113 h 2897944"/>
-              <a:gd name="connsiteX36" fmla="*/ 1759951 w 2083508"/>
-              <a:gd name="connsiteY36" fmla="*/ 633046 h 2897944"/>
-              <a:gd name="connsiteX37" fmla="*/ 1858425 w 2083508"/>
-              <a:gd name="connsiteY37" fmla="*/ 604910 h 2897944"/>
-              <a:gd name="connsiteX38" fmla="*/ 1956899 w 2083508"/>
-              <a:gd name="connsiteY38" fmla="*/ 506436 h 2897944"/>
-              <a:gd name="connsiteX39" fmla="*/ 2083508 w 2083508"/>
-              <a:gd name="connsiteY39" fmla="*/ 407963 h 2897944"/>
-              <a:gd name="connsiteX40" fmla="*/ 1942831 w 2083508"/>
-              <a:gd name="connsiteY40" fmla="*/ 42203 h 2897944"/>
-              <a:gd name="connsiteX41" fmla="*/ 1844358 w 2083508"/>
-              <a:gd name="connsiteY41" fmla="*/ 0 h 2897944"/>
-              <a:gd name="connsiteX42" fmla="*/ 1351988 w 2083508"/>
-              <a:gd name="connsiteY42" fmla="*/ 28135 h 2897944"/>
-              <a:gd name="connsiteX43" fmla="*/ 1155041 w 2083508"/>
-              <a:gd name="connsiteY43" fmla="*/ 112541 h 2897944"/>
-              <a:gd name="connsiteX44" fmla="*/ 1056567 w 2083508"/>
-              <a:gd name="connsiteY44" fmla="*/ 154744 h 2897944"/>
-              <a:gd name="connsiteX45" fmla="*/ 1000296 w 2083508"/>
-              <a:gd name="connsiteY45" fmla="*/ 182880 h 2897944"/>
-              <a:gd name="connsiteX46" fmla="*/ 901822 w 2083508"/>
-              <a:gd name="connsiteY46" fmla="*/ 196947 h 2897944"/>
-              <a:gd name="connsiteX47" fmla="*/ 817416 w 2083508"/>
-              <a:gd name="connsiteY47" fmla="*/ 239150 h 2897944"/>
-            </a:gdLst>
-            <a:ahLst/>
-            <a:cxnLst>
-              <a:cxn ang="0">
-                <a:pos x="connsiteX0" y="connsiteY0"/>
-              </a:cxn>
-              <a:cxn ang="0">
-                <a:pos x="connsiteX1" y="connsiteY1"/>
-              </a:cxn>
-              <a:cxn ang="0">
-                <a:pos x="connsiteX2" y="connsiteY2"/>
-              </a:cxn>
-              <a:cxn ang="0">
-                <a:pos x="connsiteX3" y="connsiteY3"/>
-              </a:cxn>
-              <a:cxn ang="0">
-                <a:pos x="connsiteX4" y="connsiteY4"/>
-              </a:cxn>
-              <a:cxn ang="0">
-                <a:pos x="connsiteX5" y="connsiteY5"/>
-              </a:cxn>
-              <a:cxn ang="0">
-                <a:pos x="connsiteX6" y="connsiteY6"/>
-              </a:cxn>
-              <a:cxn ang="0">
-                <a:pos x="connsiteX7" y="connsiteY7"/>
-              </a:cxn>
-              <a:cxn ang="0">
-                <a:pos x="connsiteX8" y="connsiteY8"/>
-              </a:cxn>
-              <a:cxn ang="0">
-                <a:pos x="connsiteX9" y="connsiteY9"/>
-              </a:cxn>
-              <a:cxn ang="0">
-                <a:pos x="connsiteX10" y="connsiteY10"/>
-              </a:cxn>
-              <a:cxn ang="0">
-                <a:pos x="connsiteX11" y="connsiteY11"/>
-              </a:cxn>
-              <a:cxn ang="0">
-                <a:pos x="connsiteX12" y="connsiteY12"/>
-              </a:cxn>
-              <a:cxn ang="0">
-                <a:pos x="connsiteX13" y="connsiteY13"/>
-              </a:cxn>
-              <a:cxn ang="0">
-                <a:pos x="connsiteX14" y="connsiteY14"/>
-              </a:cxn>
-              <a:cxn ang="0">
-                <a:pos x="connsiteX15" y="connsiteY15"/>
-              </a:cxn>
-              <a:cxn ang="0">
-                <a:pos x="connsiteX16" y="connsiteY16"/>
-              </a:cxn>
-              <a:cxn ang="0">
-                <a:pos x="connsiteX17" y="connsiteY17"/>
-              </a:cxn>
-              <a:cxn ang="0">
-                <a:pos x="connsiteX18" y="connsiteY18"/>
-              </a:cxn>
-              <a:cxn ang="0">
-                <a:pos x="connsiteX19" y="connsiteY19"/>
-              </a:cxn>
-              <a:cxn ang="0">
-                <a:pos x="connsiteX20" y="connsiteY20"/>
-              </a:cxn>
-              <a:cxn ang="0">
-                <a:pos x="connsiteX21" y="connsiteY21"/>
-              </a:cxn>
-              <a:cxn ang="0">
-                <a:pos x="connsiteX22" y="connsiteY22"/>
-              </a:cxn>
-              <a:cxn ang="0">
-                <a:pos x="connsiteX23" y="connsiteY23"/>
-              </a:cxn>
-              <a:cxn ang="0">
-                <a:pos x="connsiteX24" y="connsiteY24"/>
-              </a:cxn>
-              <a:cxn ang="0">
-                <a:pos x="connsiteX25" y="connsiteY25"/>
-              </a:cxn>
-              <a:cxn ang="0">
-                <a:pos x="connsiteX26" y="connsiteY26"/>
-              </a:cxn>
-              <a:cxn ang="0">
-                <a:pos x="connsiteX27" y="connsiteY27"/>
-              </a:cxn>
-              <a:cxn ang="0">
-                <a:pos x="connsiteX28" y="connsiteY28"/>
-              </a:cxn>
-              <a:cxn ang="0">
-                <a:pos x="connsiteX29" y="connsiteY29"/>
-              </a:cxn>
-              <a:cxn ang="0">
-                <a:pos x="connsiteX30" y="connsiteY30"/>
-              </a:cxn>
-              <a:cxn ang="0">
-                <a:pos x="connsiteX31" y="connsiteY31"/>
-              </a:cxn>
-              <a:cxn ang="0">
-                <a:pos x="connsiteX32" y="connsiteY32"/>
-              </a:cxn>
-              <a:cxn ang="0">
-                <a:pos x="connsiteX33" y="connsiteY33"/>
-              </a:cxn>
-              <a:cxn ang="0">
-                <a:pos x="connsiteX34" y="connsiteY34"/>
-              </a:cxn>
-              <a:cxn ang="0">
-                <a:pos x="connsiteX35" y="connsiteY35"/>
-              </a:cxn>
-              <a:cxn ang="0">
-                <a:pos x="connsiteX36" y="connsiteY36"/>
-              </a:cxn>
-              <a:cxn ang="0">
-                <a:pos x="connsiteX37" y="connsiteY37"/>
-              </a:cxn>
-              <a:cxn ang="0">
-                <a:pos x="connsiteX38" y="connsiteY38"/>
-              </a:cxn>
-              <a:cxn ang="0">
-                <a:pos x="connsiteX39" y="connsiteY39"/>
-              </a:cxn>
-              <a:cxn ang="0">
-                <a:pos x="connsiteX40" y="connsiteY40"/>
-              </a:cxn>
-              <a:cxn ang="0">
-                <a:pos x="connsiteX41" y="connsiteY41"/>
-              </a:cxn>
-              <a:cxn ang="0">
-                <a:pos x="connsiteX42" y="connsiteY42"/>
-              </a:cxn>
-              <a:cxn ang="0">
-                <a:pos x="connsiteX43" y="connsiteY43"/>
-              </a:cxn>
-              <a:cxn ang="0">
-                <a:pos x="connsiteX44" y="connsiteY44"/>
-              </a:cxn>
-              <a:cxn ang="0">
-                <a:pos x="connsiteX45" y="connsiteY45"/>
-              </a:cxn>
-              <a:cxn ang="0">
-                <a:pos x="connsiteX46" y="connsiteY46"/>
-              </a:cxn>
-              <a:cxn ang="0">
-                <a:pos x="connsiteX47" y="connsiteY47"/>
-              </a:cxn>
-            </a:cxnLst>
-            <a:rect l="l" t="t" r="r" b="b"/>
-            <a:pathLst>
-              <a:path w="2083508" h="2897944">
-                <a:moveTo>
-                  <a:pt x="775213" y="295421"/>
-                </a:moveTo>
-                <a:cubicBezTo>
-                  <a:pt x="756456" y="318867"/>
-                  <a:pt x="740174" y="344528"/>
-                  <a:pt x="718942" y="365760"/>
-                </a:cubicBezTo>
-                <a:cubicBezTo>
-                  <a:pt x="651261" y="433441"/>
-                  <a:pt x="622230" y="431824"/>
-                  <a:pt x="564198" y="506436"/>
-                </a:cubicBezTo>
-                <a:cubicBezTo>
-                  <a:pt x="551323" y="522990"/>
-                  <a:pt x="546852" y="544725"/>
-                  <a:pt x="536062" y="562707"/>
-                </a:cubicBezTo>
-                <a:cubicBezTo>
-                  <a:pt x="440963" y="721204"/>
-                  <a:pt x="513197" y="569165"/>
-                  <a:pt x="437588" y="745587"/>
-                </a:cubicBezTo>
-                <a:cubicBezTo>
-                  <a:pt x="432899" y="773722"/>
-                  <a:pt x="430439" y="802321"/>
-                  <a:pt x="423521" y="829993"/>
-                </a:cubicBezTo>
-                <a:cubicBezTo>
-                  <a:pt x="416328" y="858765"/>
-                  <a:pt x="400851" y="885250"/>
-                  <a:pt x="395385" y="914400"/>
-                </a:cubicBezTo>
-                <a:cubicBezTo>
-                  <a:pt x="386700" y="960719"/>
-                  <a:pt x="392748" y="1009357"/>
-                  <a:pt x="381318" y="1055076"/>
-                </a:cubicBezTo>
-                <a:cubicBezTo>
-                  <a:pt x="361149" y="1135752"/>
-                  <a:pt x="314530" y="1157801"/>
-                  <a:pt x="268776" y="1223889"/>
-                </a:cubicBezTo>
-                <a:cubicBezTo>
-                  <a:pt x="247256" y="1254973"/>
-                  <a:pt x="232319" y="1290165"/>
-                  <a:pt x="212505" y="1322363"/>
-                </a:cubicBezTo>
-                <a:cubicBezTo>
-                  <a:pt x="194783" y="1351161"/>
-                  <a:pt x="174992" y="1378634"/>
-                  <a:pt x="156235" y="1406769"/>
-                </a:cubicBezTo>
-                <a:cubicBezTo>
-                  <a:pt x="123979" y="1568042"/>
-                  <a:pt x="162167" y="1368215"/>
-                  <a:pt x="128099" y="1589649"/>
-                </a:cubicBezTo>
-                <a:cubicBezTo>
-                  <a:pt x="124463" y="1613281"/>
-                  <a:pt x="118720" y="1636541"/>
-                  <a:pt x="114031" y="1659987"/>
-                </a:cubicBezTo>
-                <a:cubicBezTo>
-                  <a:pt x="109342" y="1716258"/>
-                  <a:pt x="112213" y="1773679"/>
-                  <a:pt x="99964" y="1828800"/>
-                </a:cubicBezTo>
-                <a:cubicBezTo>
-                  <a:pt x="93140" y="1859507"/>
-                  <a:pt x="70778" y="1884569"/>
-                  <a:pt x="57761" y="1913206"/>
-                </a:cubicBezTo>
-                <a:cubicBezTo>
-                  <a:pt x="52994" y="1923693"/>
-                  <a:pt x="20653" y="2002818"/>
-                  <a:pt x="15558" y="2025747"/>
-                </a:cubicBezTo>
-                <a:cubicBezTo>
-                  <a:pt x="9370" y="2053591"/>
-                  <a:pt x="6179" y="2082018"/>
-                  <a:pt x="1490" y="2110153"/>
-                </a:cubicBezTo>
-                <a:cubicBezTo>
-                  <a:pt x="6179" y="2283655"/>
-                  <a:pt x="-11712" y="2459249"/>
-                  <a:pt x="15558" y="2630658"/>
-                </a:cubicBezTo>
-                <a:cubicBezTo>
-                  <a:pt x="22350" y="2673354"/>
-                  <a:pt x="70883" y="2697142"/>
-                  <a:pt x="99964" y="2729132"/>
-                </a:cubicBezTo>
-                <a:cubicBezTo>
-                  <a:pt x="117808" y="2748760"/>
-                  <a:pt x="135296" y="2769117"/>
-                  <a:pt x="156235" y="2785403"/>
-                </a:cubicBezTo>
-                <a:cubicBezTo>
-                  <a:pt x="177818" y="2802190"/>
-                  <a:pt x="202569" y="2814513"/>
-                  <a:pt x="226573" y="2827606"/>
-                </a:cubicBezTo>
-                <a:cubicBezTo>
-                  <a:pt x="313734" y="2875148"/>
-                  <a:pt x="303549" y="2867332"/>
-                  <a:pt x="395385" y="2897944"/>
-                </a:cubicBezTo>
-                <a:cubicBezTo>
-                  <a:pt x="526684" y="2893255"/>
-                  <a:pt x="658913" y="2900172"/>
-                  <a:pt x="789281" y="2883876"/>
-                </a:cubicBezTo>
-                <a:cubicBezTo>
-                  <a:pt x="812546" y="2880968"/>
-                  <a:pt x="826274" y="2855019"/>
-                  <a:pt x="845551" y="2841673"/>
-                </a:cubicBezTo>
-                <a:cubicBezTo>
-                  <a:pt x="1056609" y="2695556"/>
-                  <a:pt x="901565" y="2810214"/>
-                  <a:pt x="1028431" y="2715064"/>
-                </a:cubicBezTo>
-                <a:cubicBezTo>
-                  <a:pt x="1037810" y="2696307"/>
-                  <a:pt x="1046382" y="2677125"/>
-                  <a:pt x="1056567" y="2658793"/>
-                </a:cubicBezTo>
-                <a:cubicBezTo>
-                  <a:pt x="1069846" y="2634891"/>
-                  <a:pt x="1089426" y="2614151"/>
-                  <a:pt x="1098770" y="2588455"/>
-                </a:cubicBezTo>
-                <a:cubicBezTo>
-                  <a:pt x="1112458" y="2550814"/>
-                  <a:pt x="1126409" y="2354766"/>
-                  <a:pt x="1126905" y="2349304"/>
-                </a:cubicBezTo>
-                <a:cubicBezTo>
-                  <a:pt x="1131594" y="2236763"/>
-                  <a:pt x="1130459" y="2123827"/>
-                  <a:pt x="1140973" y="2011680"/>
-                </a:cubicBezTo>
-                <a:cubicBezTo>
-                  <a:pt x="1144687" y="1972068"/>
-                  <a:pt x="1187355" y="1842694"/>
-                  <a:pt x="1197244" y="1800664"/>
-                </a:cubicBezTo>
-                <a:cubicBezTo>
-                  <a:pt x="1225439" y="1680834"/>
-                  <a:pt x="1220818" y="1678040"/>
-                  <a:pt x="1239447" y="1575581"/>
-                </a:cubicBezTo>
-                <a:cubicBezTo>
-                  <a:pt x="1243724" y="1552056"/>
-                  <a:pt x="1248826" y="1528689"/>
-                  <a:pt x="1253515" y="1505243"/>
-                </a:cubicBezTo>
-                <a:cubicBezTo>
-                  <a:pt x="1258204" y="1284849"/>
-                  <a:pt x="1239750" y="1062741"/>
-                  <a:pt x="1267582" y="844061"/>
-                </a:cubicBezTo>
-                <a:cubicBezTo>
-                  <a:pt x="1279439" y="750900"/>
-                  <a:pt x="1355679" y="727620"/>
-                  <a:pt x="1422327" y="703384"/>
-                </a:cubicBezTo>
-                <a:cubicBezTo>
-                  <a:pt x="1450199" y="693249"/>
-                  <a:pt x="1478861" y="685384"/>
-                  <a:pt x="1506733" y="675249"/>
-                </a:cubicBezTo>
-                <a:cubicBezTo>
-                  <a:pt x="1530465" y="666619"/>
-                  <a:pt x="1552162" y="651264"/>
-                  <a:pt x="1577071" y="647113"/>
-                </a:cubicBezTo>
-                <a:cubicBezTo>
-                  <a:pt x="1637379" y="637062"/>
-                  <a:pt x="1698991" y="637735"/>
-                  <a:pt x="1759951" y="633046"/>
-                </a:cubicBezTo>
-                <a:cubicBezTo>
-                  <a:pt x="1763628" y="632127"/>
-                  <a:pt x="1849251" y="612249"/>
-                  <a:pt x="1858425" y="604910"/>
-                </a:cubicBezTo>
-                <a:cubicBezTo>
-                  <a:pt x="1894674" y="575911"/>
-                  <a:pt x="1921237" y="536154"/>
-                  <a:pt x="1956899" y="506436"/>
-                </a:cubicBezTo>
-                <a:cubicBezTo>
-                  <a:pt x="2054293" y="425274"/>
-                  <a:pt x="2010832" y="456413"/>
-                  <a:pt x="2083508" y="407963"/>
-                </a:cubicBezTo>
-                <a:cubicBezTo>
-                  <a:pt x="2030627" y="-15088"/>
-                  <a:pt x="2152298" y="117013"/>
-                  <a:pt x="1942831" y="42203"/>
-                </a:cubicBezTo>
-                <a:cubicBezTo>
-                  <a:pt x="1909200" y="30192"/>
-                  <a:pt x="1877182" y="14068"/>
-                  <a:pt x="1844358" y="0"/>
-                </a:cubicBezTo>
-                <a:cubicBezTo>
-                  <a:pt x="1680235" y="9378"/>
-                  <a:pt x="1514231" y="1646"/>
-                  <a:pt x="1351988" y="28135"/>
-                </a:cubicBezTo>
-                <a:cubicBezTo>
-                  <a:pt x="1281497" y="39644"/>
-                  <a:pt x="1220690" y="84406"/>
-                  <a:pt x="1155041" y="112541"/>
-                </a:cubicBezTo>
-                <a:cubicBezTo>
-                  <a:pt x="1122216" y="126609"/>
-                  <a:pt x="1088509" y="138773"/>
-                  <a:pt x="1056567" y="154744"/>
-                </a:cubicBezTo>
-                <a:cubicBezTo>
-                  <a:pt x="1037810" y="164123"/>
-                  <a:pt x="1020528" y="177362"/>
-                  <a:pt x="1000296" y="182880"/>
-                </a:cubicBezTo>
-                <a:cubicBezTo>
-                  <a:pt x="968306" y="191604"/>
-                  <a:pt x="934647" y="192258"/>
-                  <a:pt x="901822" y="196947"/>
-                </a:cubicBezTo>
-                <a:cubicBezTo>
-                  <a:pt x="847281" y="233309"/>
-                  <a:pt x="875659" y="219737"/>
-                  <a:pt x="817416" y="239150"/>
-                </a:cubicBezTo>
-              </a:path>
-            </a:pathLst>
-          </a:custGeom>
-          <a:noFill/>
-        </p:spPr>
-        <p:style>
-          <a:lnRef idx="2">
-            <a:schemeClr val="accent1">
-              <a:shade val="50000"/>
-            </a:schemeClr>
-          </a:lnRef>
-          <a:fillRef idx="1">
-            <a:schemeClr val="accent1"/>
-          </a:fillRef>
-          <a:effectRef idx="0">
-            <a:schemeClr val="accent1"/>
-          </a:effectRef>
-          <a:fontRef idx="minor">
-            <a:schemeClr val="lt1"/>
-          </a:fontRef>
-        </p:style>
-        <p:txBody>
-          <a:bodyPr rtlCol="0" anchor="ctr"/>
-          <a:lstStyle/>
-          <a:p>
-            <a:pPr algn="ctr"/>
-            <a:endParaRPr lang="en-US"/>
-          </a:p>
-        </p:txBody>
-      </p:sp>
-      <mc:AlternateContent xmlns:mc="http://schemas.openxmlformats.org/markup-compatibility/2006">
-        <mc:Choice xmlns:p14="http://schemas.microsoft.com/office/powerpoint/2010/main" Requires="p14">
-          <p:contentPart p14:bwMode="auto" r:id="rId3">
-            <p14:nvContentPartPr>
-              <p14:cNvPr id="29" name="Ink 28">
-                <a:extLst>
-                  <a:ext uri="{FF2B5EF4-FFF2-40B4-BE49-F238E27FC236}">
-                    <a16:creationId xmlns:a16="http://schemas.microsoft.com/office/drawing/2014/main" id="{B7CD87A6-F272-F8C3-02FD-3CB9EAD7868B}"/>
-                  </a:ext>
-                </a:extLst>
-              </p14:cNvPr>
-              <p14:cNvContentPartPr/>
-              <p14:nvPr/>
-            </p14:nvContentPartPr>
-            <p14:xfrm>
-              <a:off x="4922945" y="1871363"/>
-              <a:ext cx="1070280" cy="4669920"/>
-            </p14:xfrm>
-          </p:contentPart>
-        </mc:Choice>
-        <mc:Fallback>
-          <p:pic>
-            <p:nvPicPr>
-              <p:cNvPr id="29" name="Ink 28">
-                <a:extLst>
-                  <a:ext uri="{FF2B5EF4-FFF2-40B4-BE49-F238E27FC236}">
-                    <a16:creationId xmlns:a16="http://schemas.microsoft.com/office/drawing/2014/main" id="{B7CD87A6-F272-F8C3-02FD-3CB9EAD7868B}"/>
-                  </a:ext>
-                </a:extLst>
-              </p:cNvPr>
-              <p:cNvPicPr/>
-              <p:nvPr/>
-            </p:nvPicPr>
-            <p:blipFill>
-              <a:blip r:embed="rId4"/>
-              <a:stretch>
-                <a:fillRect/>
-              </a:stretch>
-            </p:blipFill>
-            <p:spPr>
-              <a:xfrm>
-                <a:off x="4914305" y="1862723"/>
-                <a:ext cx="1087920" cy="4687560"/>
-              </a:xfrm>
-              <a:prstGeom prst="rect">
-                <a:avLst/>
-              </a:prstGeom>
-            </p:spPr>
-          </p:pic>
-        </mc:Fallback>
-      </mc:AlternateContent>
-      <mc:AlternateContent xmlns:mc="http://schemas.openxmlformats.org/markup-compatibility/2006">
-        <mc:Choice xmlns:p14="http://schemas.microsoft.com/office/powerpoint/2010/main" Requires="p14">
-          <p:contentPart p14:bwMode="auto" r:id="rId5">
-            <p14:nvContentPartPr>
-              <p14:cNvPr id="33" name="Ink 32">
-                <a:extLst>
-                  <a:ext uri="{FF2B5EF4-FFF2-40B4-BE49-F238E27FC236}">
-                    <a16:creationId xmlns:a16="http://schemas.microsoft.com/office/drawing/2014/main" id="{5DA90840-80AC-5160-5312-4B28C5721B0D}"/>
-                  </a:ext>
-                </a:extLst>
-              </p14:cNvPr>
-              <p14:cNvContentPartPr/>
-              <p14:nvPr/>
-            </p14:nvContentPartPr>
-            <p14:xfrm>
-              <a:off x="5609465" y="125363"/>
-              <a:ext cx="891360" cy="1169640"/>
-            </p14:xfrm>
-          </p:contentPart>
-        </mc:Choice>
-        <mc:Fallback>
-          <p:pic>
-            <p:nvPicPr>
-              <p:cNvPr id="33" name="Ink 32">
-                <a:extLst>
-                  <a:ext uri="{FF2B5EF4-FFF2-40B4-BE49-F238E27FC236}">
-                    <a16:creationId xmlns:a16="http://schemas.microsoft.com/office/drawing/2014/main" id="{5DA90840-80AC-5160-5312-4B28C5721B0D}"/>
-                  </a:ext>
-                </a:extLst>
-              </p:cNvPr>
-              <p:cNvPicPr/>
-              <p:nvPr/>
-            </p:nvPicPr>
-            <p:blipFill>
-              <a:blip r:embed="rId6"/>
-              <a:stretch>
-                <a:fillRect/>
-              </a:stretch>
-            </p:blipFill>
-            <p:spPr>
-              <a:xfrm>
-                <a:off x="5600825" y="116363"/>
-                <a:ext cx="909000" cy="1187280"/>
-              </a:xfrm>
-              <a:prstGeom prst="rect">
-                <a:avLst/>
-              </a:prstGeom>
-            </p:spPr>
-          </p:pic>
-        </mc:Fallback>
-      </mc:AlternateContent>
-      <p:grpSp>
-        <p:nvGrpSpPr>
-          <p:cNvPr id="35" name="Group 34">
-            <a:extLst>
-              <a:ext uri="{FF2B5EF4-FFF2-40B4-BE49-F238E27FC236}">
-                <a16:creationId xmlns:a16="http://schemas.microsoft.com/office/drawing/2014/main" id="{27275C69-A7C8-B94B-463A-DE83387E0D51}"/>
-              </a:ext>
-            </a:extLst>
-          </p:cNvPr>
-          <p:cNvGrpSpPr/>
-          <p:nvPr/>
-        </p:nvGrpSpPr>
-        <p:grpSpPr>
-          <a:xfrm>
-            <a:off x="4993865" y="1296083"/>
-            <a:ext cx="2055240" cy="5527440"/>
-            <a:chOff x="4993865" y="1296083"/>
-            <a:chExt cx="2055240" cy="5527440"/>
-          </a:xfrm>
-        </p:grpSpPr>
-        <mc:AlternateContent xmlns:mc="http://schemas.openxmlformats.org/markup-compatibility/2006">
-          <mc:Choice xmlns:p14="http://schemas.microsoft.com/office/powerpoint/2010/main" Requires="p14">
-            <p:contentPart p14:bwMode="auto" r:id="rId7">
-              <p14:nvContentPartPr>
-                <p14:cNvPr id="30" name="Ink 29">
-                  <a:extLst>
-                    <a:ext uri="{FF2B5EF4-FFF2-40B4-BE49-F238E27FC236}">
-                      <a16:creationId xmlns:a16="http://schemas.microsoft.com/office/drawing/2014/main" id="{63B870FD-69C3-669E-84D2-182868BC7C49}"/>
-                    </a:ext>
-                  </a:extLst>
-                </p14:cNvPr>
-                <p14:cNvContentPartPr/>
-                <p14:nvPr/>
-              </p14:nvContentPartPr>
-              <p14:xfrm>
-                <a:off x="4993865" y="2771003"/>
-                <a:ext cx="1281600" cy="4052520"/>
-              </p14:xfrm>
-            </p:contentPart>
-          </mc:Choice>
-          <mc:Fallback>
-            <p:pic>
-              <p:nvPicPr>
-                <p:cNvPr id="30" name="Ink 29">
-                  <a:extLst>
-                    <a:ext uri="{FF2B5EF4-FFF2-40B4-BE49-F238E27FC236}">
-                      <a16:creationId xmlns:a16="http://schemas.microsoft.com/office/drawing/2014/main" id="{63B870FD-69C3-669E-84D2-182868BC7C49}"/>
-                    </a:ext>
-                  </a:extLst>
-                </p:cNvPr>
-                <p:cNvPicPr/>
-                <p:nvPr/>
-              </p:nvPicPr>
-              <p:blipFill>
-                <a:blip r:embed="rId8"/>
-                <a:stretch>
-                  <a:fillRect/>
-                </a:stretch>
-              </p:blipFill>
-              <p:spPr>
-                <a:xfrm>
-                  <a:off x="4984865" y="2762003"/>
-                  <a:ext cx="1299240" cy="4070160"/>
-                </a:xfrm>
-                <a:prstGeom prst="rect">
-                  <a:avLst/>
-                </a:prstGeom>
-              </p:spPr>
-            </p:pic>
-          </mc:Fallback>
-        </mc:AlternateContent>
-        <mc:AlternateContent xmlns:mc="http://schemas.openxmlformats.org/markup-compatibility/2006">
-          <mc:Choice xmlns:p14="http://schemas.microsoft.com/office/powerpoint/2010/main" Requires="p14">
-            <p:contentPart p14:bwMode="auto" r:id="rId9">
-              <p14:nvContentPartPr>
-                <p14:cNvPr id="31" name="Ink 30">
-                  <a:extLst>
-                    <a:ext uri="{FF2B5EF4-FFF2-40B4-BE49-F238E27FC236}">
-                      <a16:creationId xmlns:a16="http://schemas.microsoft.com/office/drawing/2014/main" id="{9352512E-15ED-C614-D250-E49C6CD3E8E9}"/>
-                    </a:ext>
-                  </a:extLst>
-                </p14:cNvPr>
-                <p14:cNvContentPartPr/>
-                <p14:nvPr/>
-              </p14:nvContentPartPr>
-              <p14:xfrm>
-                <a:off x="5864345" y="1296083"/>
-                <a:ext cx="482760" cy="1405080"/>
-              </p14:xfrm>
-            </p:contentPart>
-          </mc:Choice>
-          <mc:Fallback>
-            <p:pic>
-              <p:nvPicPr>
-                <p:cNvPr id="31" name="Ink 30">
-                  <a:extLst>
-                    <a:ext uri="{FF2B5EF4-FFF2-40B4-BE49-F238E27FC236}">
-                      <a16:creationId xmlns:a16="http://schemas.microsoft.com/office/drawing/2014/main" id="{9352512E-15ED-C614-D250-E49C6CD3E8E9}"/>
-                    </a:ext>
-                  </a:extLst>
-                </p:cNvPr>
-                <p:cNvPicPr/>
-                <p:nvPr/>
-              </p:nvPicPr>
-              <p:blipFill>
-                <a:blip r:embed="rId10"/>
-                <a:stretch>
-                  <a:fillRect/>
-                </a:stretch>
-              </p:blipFill>
-              <p:spPr>
-                <a:xfrm>
-                  <a:off x="5855705" y="1287083"/>
-                  <a:ext cx="500400" cy="1422720"/>
-                </a:xfrm>
-                <a:prstGeom prst="rect">
-                  <a:avLst/>
-                </a:prstGeom>
-              </p:spPr>
-            </p:pic>
-          </mc:Fallback>
-        </mc:AlternateContent>
-        <mc:AlternateContent xmlns:mc="http://schemas.openxmlformats.org/markup-compatibility/2006">
-          <mc:Choice xmlns:p14="http://schemas.microsoft.com/office/powerpoint/2010/main" Requires="p14">
-            <p:contentPart p14:bwMode="auto" r:id="rId11">
-              <p14:nvContentPartPr>
-                <p14:cNvPr id="34" name="Ink 33">
-                  <a:extLst>
-                    <a:ext uri="{FF2B5EF4-FFF2-40B4-BE49-F238E27FC236}">
-                      <a16:creationId xmlns:a16="http://schemas.microsoft.com/office/drawing/2014/main" id="{73AB399B-CF2E-8CD4-F10D-F9C11186154D}"/>
-                    </a:ext>
-                  </a:extLst>
-                </p14:cNvPr>
-                <p14:cNvContentPartPr/>
-                <p14:nvPr/>
-              </p14:nvContentPartPr>
-              <p14:xfrm>
-                <a:off x="6132905" y="1305443"/>
-                <a:ext cx="916200" cy="5490360"/>
-              </p14:xfrm>
-            </p:contentPart>
-          </mc:Choice>
-          <mc:Fallback>
-            <p:pic>
-              <p:nvPicPr>
-                <p:cNvPr id="34" name="Ink 33">
-                  <a:extLst>
-                    <a:ext uri="{FF2B5EF4-FFF2-40B4-BE49-F238E27FC236}">
-                      <a16:creationId xmlns:a16="http://schemas.microsoft.com/office/drawing/2014/main" id="{73AB399B-CF2E-8CD4-F10D-F9C11186154D}"/>
-                    </a:ext>
-                  </a:extLst>
-                </p:cNvPr>
-                <p:cNvPicPr/>
-                <p:nvPr/>
-              </p:nvPicPr>
-              <p:blipFill>
-                <a:blip r:embed="rId12"/>
-                <a:stretch>
-                  <a:fillRect/>
-                </a:stretch>
-              </p:blipFill>
-              <p:spPr>
-                <a:xfrm>
-                  <a:off x="6123905" y="1296443"/>
-                  <a:ext cx="933840" cy="5508000"/>
-                </a:xfrm>
-                <a:prstGeom prst="rect">
-                  <a:avLst/>
-                </a:prstGeom>
-              </p:spPr>
-            </p:pic>
-          </mc:Fallback>
-        </mc:AlternateContent>
-      </p:grpSp>
-      <mc:AlternateContent xmlns:mc="http://schemas.openxmlformats.org/markup-compatibility/2006">
-        <mc:Choice xmlns:p14="http://schemas.microsoft.com/office/powerpoint/2010/main" Requires="p14">
-          <p:contentPart p14:bwMode="auto" r:id="rId13">
-            <p14:nvContentPartPr>
-              <p14:cNvPr id="36" name="Ink 35">
-                <a:extLst>
-                  <a:ext uri="{FF2B5EF4-FFF2-40B4-BE49-F238E27FC236}">
-                    <a16:creationId xmlns:a16="http://schemas.microsoft.com/office/drawing/2014/main" id="{BA7833AD-5B02-AB1D-6995-DED756FDF72D}"/>
-                  </a:ext>
-                </a:extLst>
-              </p14:cNvPr>
-              <p14:cNvContentPartPr/>
-              <p14:nvPr/>
-            </p14:nvContentPartPr>
-            <p14:xfrm>
-              <a:off x="6266465" y="1024283"/>
-              <a:ext cx="1472760" cy="3157560"/>
-            </p14:xfrm>
-          </p:contentPart>
-        </mc:Choice>
-        <mc:Fallback>
-          <p:pic>
-            <p:nvPicPr>
-              <p:cNvPr id="36" name="Ink 35">
-                <a:extLst>
-                  <a:ext uri="{FF2B5EF4-FFF2-40B4-BE49-F238E27FC236}">
-                    <a16:creationId xmlns:a16="http://schemas.microsoft.com/office/drawing/2014/main" id="{BA7833AD-5B02-AB1D-6995-DED756FDF72D}"/>
-                  </a:ext>
-                </a:extLst>
-              </p:cNvPr>
-              <p:cNvPicPr/>
-              <p:nvPr/>
-            </p:nvPicPr>
-            <p:blipFill>
-              <a:blip r:embed="rId14"/>
-              <a:stretch>
-                <a:fillRect/>
-              </a:stretch>
-            </p:blipFill>
-            <p:spPr>
-              <a:xfrm>
-                <a:off x="6257825" y="1015283"/>
-                <a:ext cx="1490400" cy="3175200"/>
-              </a:xfrm>
-              <a:prstGeom prst="rect">
-                <a:avLst/>
-              </a:prstGeom>
-            </p:spPr>
-          </p:pic>
-        </mc:Fallback>
-      </mc:AlternateContent>
-      <p:sp>
-        <p:nvSpPr>
           <p:cNvPr id="37" name="TextBox 36">
             <a:extLst>
               <a:ext uri="{FF2B5EF4-FFF2-40B4-BE49-F238E27FC236}">
@@ -5667,7 +7011,7 @@
         <p:spPr>
           <a:xfrm>
             <a:off x="7837477" y="2806895"/>
-            <a:ext cx="3125727" cy="369332"/>
+            <a:ext cx="2137124" cy="369332"/>
           </a:xfrm>
           <a:prstGeom prst="rect">
             <a:avLst/>
@@ -5682,23 +7026,7 @@
           <a:p>
             <a:r>
               <a:rPr lang="en-US" dirty="0"/>
-              <a:t>1 </a:t>
-            </a:r>
-            <a:r>
-              <a:rPr lang="en-US" dirty="0" err="1"/>
-              <a:t>tira</a:t>
-            </a:r>
-            <a:r>
-              <a:rPr lang="en-US" dirty="0"/>
-              <a:t> 1 bus +  1 sensor </a:t>
-            </a:r>
-            <a:r>
-              <a:rPr lang="en-US" dirty="0" err="1"/>
-              <a:t>otro</a:t>
-            </a:r>
-            <a:r>
-              <a:rPr lang="en-US" dirty="0"/>
-              <a:t> bus</a:t>
+              <a:t>1 bus +  1 sensor bus</a:t>
             </a:r>
           </a:p>
         </p:txBody>
@@ -5717,8 +7045,8 @@
         </p:nvSpPr>
         <p:spPr>
           <a:xfrm>
-            <a:off x="631190" y="2180455"/>
-            <a:ext cx="3960893" cy="369332"/>
+            <a:off x="2109518" y="2182155"/>
+            <a:ext cx="2523448" cy="369332"/>
           </a:xfrm>
           <a:prstGeom prst="rect">
             <a:avLst/>
@@ -5733,23 +7061,7 @@
           <a:p>
             <a:r>
               <a:rPr lang="en-US" dirty="0"/>
-              <a:t>1 </a:t>
-            </a:r>
-            <a:r>
-              <a:rPr lang="en-US" dirty="0" err="1"/>
-              <a:t>tira</a:t>
-            </a:r>
-            <a:r>
-              <a:rPr lang="en-US" dirty="0"/>
-              <a:t>: 1 bus +  1 sensor </a:t>
-            </a:r>
-            <a:r>
-              <a:rPr lang="en-US" dirty="0" err="1"/>
-              <a:t>otro</a:t>
-            </a:r>
-            <a:r>
-              <a:rPr lang="en-US" dirty="0"/>
-              <a:t> bus (</a:t>
+              <a:t>1 bus +  1 sensor (</a:t>
             </a:r>
             <a:r>
               <a:rPr lang="en-US" dirty="0" err="1"/>
@@ -5776,8 +7088,8 @@
         </p:nvSpPr>
         <p:spPr>
           <a:xfrm>
-            <a:off x="863659" y="5614938"/>
-            <a:ext cx="1289199" cy="369332"/>
+            <a:off x="3840117" y="5463512"/>
+            <a:ext cx="688009" cy="369332"/>
           </a:xfrm>
           <a:prstGeom prst="rect">
             <a:avLst/>
@@ -5792,15 +7104,7 @@
           <a:p>
             <a:r>
               <a:rPr lang="en-US" dirty="0"/>
-              <a:t>1 </a:t>
-            </a:r>
-            <a:r>
-              <a:rPr lang="en-US" dirty="0" err="1"/>
-              <a:t>tira</a:t>
-            </a:r>
-            <a:r>
-              <a:rPr lang="en-US" dirty="0"/>
-              <a:t>: 2 bus</a:t>
+              <a:t>2 bus</a:t>
             </a:r>
           </a:p>
         </p:txBody>
@@ -5820,7 +7124,7 @@
         <p:spPr>
           <a:xfrm>
             <a:off x="7353954" y="5799604"/>
-            <a:ext cx="4634346" cy="369332"/>
+            <a:ext cx="4738990" cy="369332"/>
           </a:xfrm>
           <a:prstGeom prst="rect">
             <a:avLst/>
@@ -5835,19 +7139,11 @@
           <a:p>
             <a:r>
               <a:rPr lang="en-US" dirty="0"/>
-              <a:t>1 </a:t>
+              <a:t>2 bus (uno de </a:t>
             </a:r>
             <a:r>
               <a:rPr lang="en-US" dirty="0" err="1"/>
-              <a:t>tira</a:t>
-            </a:r>
-            <a:r>
-              <a:rPr lang="en-US" dirty="0"/>
-              <a:t>: 2 bus (</a:t>
-            </a:r>
-            <a:r>
-              <a:rPr lang="en-US" dirty="0" err="1"/>
-              <a:t>pero</a:t>
+              <a:t>ellos</a:t>
             </a:r>
             <a:r>
               <a:rPr lang="en-US" dirty="0"/>
@@ -5895,7 +7191,7 @@
         <p:spPr>
           <a:xfrm>
             <a:off x="6721183" y="396288"/>
-            <a:ext cx="1606530" cy="369332"/>
+            <a:ext cx="1871025" cy="369332"/>
           </a:xfrm>
           <a:prstGeom prst="rect">
             <a:avLst/>
@@ -5910,7 +7206,7 @@
           <a:p>
             <a:r>
               <a:rPr lang="en-US" dirty="0"/>
-              <a:t>1 sensor  (solo)</a:t>
+              <a:t>1 sensor  (sin bus)</a:t>
             </a:r>
           </a:p>
         </p:txBody>
